--- a/client/lecture/1주차 유니티 설치 가이드.pptx
+++ b/client/lecture/1주차 유니티 설치 가이드.pptx
@@ -2,7 +2,7 @@
 <file path=ppt/presentation.xml><?xml version="1.0" encoding="utf-8"?>
 <p:presentation xmlns:a="http://schemas.openxmlformats.org/drawingml/2006/main" xmlns:r="http://schemas.openxmlformats.org/officeDocument/2006/relationships" xmlns:p="http://schemas.openxmlformats.org/presentationml/2006/main" xmlns:p14="http://schemas.microsoft.com/office/powerpoint/2010/main" saveSubsetFonts="1">
   <p:sldMasterIdLst>
-    <p:sldMasterId id="2147483669" r:id="rId13"/>
+    <p:sldMasterId id="2147483670" r:id="rId13"/>
   </p:sldMasterIdLst>
   <p:notesMasterIdLst>
     <p:notesMasterId r:id="rId17"/>
@@ -11,9 +11,11 @@
     <p:handoutMasterId r:id="rId15"/>
   </p:handoutMasterIdLst>
   <p:sldIdLst>
-    <p:sldId id="257" r:id="rId19"/>
-    <p:sldId id="258" r:id="rId21"/>
-    <p:sldId id="259" r:id="rId22"/>
+    <p:sldId id="258" r:id="rId19"/>
+    <p:sldId id="257" r:id="rId21"/>
+    <p:sldId id="261" r:id="rId23"/>
+    <p:sldId id="260" r:id="rId24"/>
+    <p:sldId id="259" r:id="rId26"/>
   </p:sldIdLst>
   <p:sldSz cx="12192000" cy="6858000"/>
   <p:notesSz cx="6858000" cy="9144000"/>
@@ -202,7 +204,7 @@
           <a:p>
             <a:fld id="{4E9214C1-2863-45BA-A7C5-D5EA3C3D4C30}" type="datetimeFigureOut">
               <a:rPr lang="ko-KR" altLang="en-US" smtClean="0"/>
-              <a:t>2018-12-20</a:t>
+              <a:t>2025-07-11</a:t>
             </a:fld>
             <a:endParaRPr lang="ko-KR" altLang="en-US"/>
           </a:p>
@@ -367,7 +369,7 @@
           <a:p>
             <a:fld id="{8F563C85-90F6-445D-9B5B-8ABB00FB3043}" type="datetimeFigureOut">
               <a:rPr lang="ko-KR" altLang="en-US" smtClean="0"/>
-              <a:t>2018-12-20</a:t>
+              <a:t>2025-07-11</a:t>
             </a:fld>
             <a:endParaRPr lang="ko-KR" altLang="en-US"/>
           </a:p>
@@ -431,38 +433,37 @@
           <a:p>
             <a:pPr lvl="0"/>
             <a:r>
-              <a:rPr lang="ko-KR" altLang="en-US" smtClean="0"/>
+              <a:rPr lang="ko-KR" altLang="en-US"/>
               <a:t>마스터 텍스트 스타일 편집</a:t>
             </a:r>
           </a:p>
           <a:p>
             <a:pPr lvl="1"/>
             <a:r>
-              <a:rPr lang="ko-KR" altLang="en-US" smtClean="0"/>
+              <a:rPr lang="ko-KR" altLang="en-US"/>
               <a:t>둘째 수준</a:t>
             </a:r>
           </a:p>
           <a:p>
             <a:pPr lvl="2"/>
             <a:r>
-              <a:rPr lang="ko-KR" altLang="en-US" smtClean="0"/>
+              <a:rPr lang="ko-KR" altLang="en-US"/>
               <a:t>셋째 수준</a:t>
             </a:r>
           </a:p>
           <a:p>
             <a:pPr lvl="3"/>
             <a:r>
-              <a:rPr lang="ko-KR" altLang="en-US" smtClean="0"/>
+              <a:rPr lang="ko-KR" altLang="en-US"/>
               <a:t>넷째 수준</a:t>
             </a:r>
           </a:p>
           <a:p>
             <a:pPr lvl="4"/>
             <a:r>
-              <a:rPr lang="ko-KR" altLang="en-US" smtClean="0"/>
+              <a:rPr lang="ko-KR" altLang="en-US"/>
               <a:t>다섯째 수준</a:t>
             </a:r>
-            <a:endParaRPr lang="ko-KR" altLang="en-US"/>
           </a:p>
         </p:txBody>
       </p:sp>
@@ -663,11 +664,13 @@
           </p:nvPr>
         </p:nvSpPr>
         <p:spPr>
-          <a:xfrm rot="0">
+          <a:xfrm>
             <a:off x="685800" y="1143000"/>
-            <a:ext cx="5487035" cy="3086735"/>
+            <a:ext cx="5487988" cy="3087688"/>
           </a:xfrm>
-          <a:prstGeom prst="rect"/>
+          <a:prstGeom prst="rect">
+            <a:avLst/>
+          </a:prstGeom>
           <a:noFill/>
           <a:ln w="12700" cap="flat" cmpd="sng">
             <a:solidFill>
@@ -679,12 +682,16 @@
           </a:ln>
         </p:spPr>
         <p:txBody>
-          <a:bodyPr wrap="square" lIns="0" tIns="0" rIns="0" bIns="0" vert="horz" anchor="t">
+          <a:bodyPr vert="horz" wrap="square" lIns="0" tIns="0" rIns="0" bIns="0" numCol="1" anchor="t">
             <a:noAutofit/>
           </a:bodyPr>
           <a:lstStyle/>
           <a:p>
-            <a:pPr marL="0" indent="0"/>
+            <a:pPr marL="0" indent="0">
+              <a:buFontTx/>
+              <a:buNone/>
+            </a:pPr>
+            <a:endParaRPr/>
           </a:p>
         </p:txBody>
       </p:sp>
@@ -699,14 +706,16 @@
           </p:nvPr>
         </p:nvSpPr>
         <p:spPr>
-          <a:xfrm rot="0">
+          <a:xfrm>
             <a:off x="685800" y="4400550"/>
-            <a:ext cx="5487035" cy="3601085"/>
+            <a:ext cx="5487670" cy="3601720"/>
           </a:xfrm>
-          <a:prstGeom prst="rect"/>
+          <a:prstGeom prst="rect">
+            <a:avLst/>
+          </a:prstGeom>
         </p:spPr>
         <p:txBody>
-          <a:bodyPr wrap="square" lIns="91440" tIns="45720" rIns="91440" bIns="45720" numCol="1" vert="horz" anchor="t">
+          <a:bodyPr vert="horz" wrap="square" lIns="91440" tIns="45720" rIns="91440" bIns="45720" numCol="1" anchor="t">
             <a:noAutofit/>
           </a:bodyPr>
           <a:lstStyle/>
@@ -715,6 +724,7 @@
               <a:buFontTx/>
               <a:buNone/>
             </a:pPr>
+            <a:endParaRPr/>
           </a:p>
         </p:txBody>
       </p:sp>
@@ -729,14 +739,16 @@
           </p:nvPr>
         </p:nvSpPr>
         <p:spPr>
-          <a:xfrm rot="0">
+          <a:xfrm>
             <a:off x="3884930" y="8685530"/>
-            <a:ext cx="2972435" cy="459105"/>
+            <a:ext cx="2973070" cy="459740"/>
           </a:xfrm>
-          <a:prstGeom prst="rect"/>
+          <a:prstGeom prst="rect">
+            <a:avLst/>
+          </a:prstGeom>
         </p:spPr>
         <p:txBody>
-          <a:bodyPr wrap="square" lIns="91440" tIns="45720" rIns="91440" bIns="45720" numCol="1" vert="horz" anchor="b">
+          <a:bodyPr vert="horz" wrap="square" lIns="91440" tIns="45720" rIns="91440" bIns="45720" numCol="1" anchor="b">
             <a:noAutofit/>
           </a:bodyPr>
           <a:lstStyle/>
@@ -749,6 +761,7 @@
               <a:rPr lang="ko-KR" altLang="en-US"/>
               <a:t>1</a:t>
             </a:fld>
+            <a:endParaRPr lang="ko-KR" altLang="en-US"/>
           </a:p>
         </p:txBody>
       </p:sp>
@@ -757,14 +770,6 @@
   <p:clrMapOvr>
     <a:masterClrMapping/>
   </p:clrMapOvr>
-  <mc:AlternateContent xmlns:mc="http://schemas.openxmlformats.org/markup-compatibility/2006">
-    <mc:Choice xmlns:p14="http://schemas.microsoft.com/office/powerpoint/2010/main" Requires="p14">
-      <p:transition spd="slow" p14:dur="0"/>
-    </mc:Choice>
-    <mc:Fallback>
-      <p:transition spd="slow"/>
-    </mc:Fallback>
-  </mc:AlternateContent>
 </p:notes>
 </file>
 
@@ -796,11 +801,13 @@
           </p:nvPr>
         </p:nvSpPr>
         <p:spPr>
-          <a:xfrm rot="0">
+          <a:xfrm>
             <a:off x="685800" y="1143000"/>
-            <a:ext cx="5487670" cy="3087370"/>
+            <a:ext cx="5487035" cy="3086735"/>
           </a:xfrm>
-          <a:prstGeom prst="rect"/>
+          <a:prstGeom prst="rect">
+            <a:avLst/>
+          </a:prstGeom>
           <a:noFill/>
           <a:ln w="12700" cap="flat" cmpd="sng">
             <a:solidFill>
@@ -812,37 +819,70 @@
           </a:ln>
         </p:spPr>
         <p:txBody>
-          <a:bodyPr wrap="square" lIns="0" tIns="0" rIns="0" bIns="0" numCol="1" vert="horz" anchor="t">
+          <a:bodyPr vert="horz" wrap="square" lIns="0" tIns="0" rIns="0" bIns="0" anchor="t">
             <a:noAutofit/>
           </a:bodyPr>
           <a:lstStyle/>
           <a:p>
+            <a:pPr marL="0" indent="0"/>
+            <a:endParaRPr/>
+          </a:p>
+        </p:txBody>
+      </p:sp>
+      <p:sp>
+        <p:nvSpPr>
+          <p:cNvPr id="3" name="슬라이드 노트 개체 틀 2"/>
+          <p:cNvSpPr txBox="1">
+            <a:spLocks noGrp="1"/>
+          </p:cNvSpPr>
+          <p:nvPr>
+            <p:ph type="body" idx="1"/>
+          </p:nvPr>
+        </p:nvSpPr>
+        <p:spPr>
+          <a:xfrm>
+            <a:off x="685800" y="4400550"/>
+            <a:ext cx="5487035" cy="3601085"/>
+          </a:xfrm>
+          <a:prstGeom prst="rect">
+            <a:avLst/>
+          </a:prstGeom>
+        </p:spPr>
+        <p:txBody>
+          <a:bodyPr vert="horz" wrap="square" lIns="91440" tIns="45720" rIns="91440" bIns="45720" numCol="1" anchor="t">
+            <a:noAutofit/>
+          </a:bodyPr>
+          <a:lstStyle/>
+          <a:p>
             <a:pPr marL="0" indent="0">
               <a:buFontTx/>
               <a:buNone/>
             </a:pPr>
-          </a:p>
-        </p:txBody>
-      </p:sp>
-      <p:sp>
-        <p:nvSpPr>
-          <p:cNvPr id="3" name="슬라이드 노트 개체 틀 2"/>
+            <a:endParaRPr/>
+          </a:p>
+        </p:txBody>
+      </p:sp>
+      <p:sp>
+        <p:nvSpPr>
+          <p:cNvPr id="4" name="슬라이드 번호 개체 틀 3"/>
           <p:cNvSpPr txBox="1">
             <a:spLocks noGrp="1"/>
           </p:cNvSpPr>
           <p:nvPr>
-            <p:ph type="body" idx="1"/>
+            <p:ph type="sldNum" idx="10"/>
           </p:nvPr>
         </p:nvSpPr>
         <p:spPr>
-          <a:xfrm rot="0">
-            <a:off x="685800" y="4400550"/>
-            <a:ext cx="5487670" cy="3601720"/>
+          <a:xfrm>
+            <a:off x="3884930" y="8685530"/>
+            <a:ext cx="2972435" cy="459105"/>
           </a:xfrm>
-          <a:prstGeom prst="rect"/>
+          <a:prstGeom prst="rect">
+            <a:avLst/>
+          </a:prstGeom>
         </p:spPr>
         <p:txBody>
-          <a:bodyPr wrap="square" lIns="91440" tIns="45720" rIns="91440" bIns="45720" numCol="1" vert="horz" anchor="t">
+          <a:bodyPr vert="horz" wrap="square" lIns="91440" tIns="45720" rIns="91440" bIns="45720" numCol="1" anchor="b">
             <a:noAutofit/>
           </a:bodyPr>
           <a:lstStyle/>
@@ -851,40 +891,11 @@
               <a:buFontTx/>
               <a:buNone/>
             </a:pPr>
-          </a:p>
-        </p:txBody>
-      </p:sp>
-      <p:sp>
-        <p:nvSpPr>
-          <p:cNvPr id="4" name="슬라이드 번호 개체 틀 3"/>
-          <p:cNvSpPr txBox="1">
-            <a:spLocks noGrp="1"/>
-          </p:cNvSpPr>
-          <p:nvPr>
-            <p:ph type="sldNum" idx="10"/>
-          </p:nvPr>
-        </p:nvSpPr>
-        <p:spPr>
-          <a:xfrm rot="0">
-            <a:off x="3884930" y="8685530"/>
-            <a:ext cx="2973070" cy="459740"/>
-          </a:xfrm>
-          <a:prstGeom prst="rect"/>
-        </p:spPr>
-        <p:txBody>
-          <a:bodyPr wrap="square" lIns="91440" tIns="45720" rIns="91440" bIns="45720" numCol="1" vert="horz" anchor="b">
-            <a:noAutofit/>
-          </a:bodyPr>
-          <a:lstStyle/>
-          <a:p>
-            <a:pPr marL="0" indent="0">
-              <a:buFontTx/>
-              <a:buNone/>
-            </a:pPr>
             <a:fld id="{B9320F77-B9A0-41C5-862A-B4B631284C64}" type="slidenum">
               <a:rPr lang="ko-KR" altLang="en-US"/>
-              <a:t>1</a:t>
+              <a:t>2</a:t>
             </a:fld>
+            <a:endParaRPr lang="ko-KR" altLang="en-US"/>
           </a:p>
         </p:txBody>
       </p:sp>
@@ -893,14 +904,338 @@
   <p:clrMapOvr>
     <a:masterClrMapping/>
   </p:clrMapOvr>
-  <mc:AlternateContent xmlns:mc="http://schemas.openxmlformats.org/markup-compatibility/2006">
-    <mc:Choice xmlns:p14="http://schemas.microsoft.com/office/powerpoint/2010/main" Requires="p14">
-      <p:transition spd="slow" p14:dur="0"/>
-    </mc:Choice>
-    <mc:Fallback>
-      <p:transition spd="slow"/>
-    </mc:Fallback>
-  </mc:AlternateContent>
+</p:notes>
+</file>
+
+<file path=ppt/notesSlides/notesSlide3.xml><?xml version="1.0" encoding="utf-8"?>
+<p:notes xmlns:a="http://schemas.openxmlformats.org/drawingml/2006/main" xmlns:r="http://schemas.openxmlformats.org/officeDocument/2006/relationships" xmlns:p="http://schemas.openxmlformats.org/presentationml/2006/main">
+  <p:cSld>
+    <p:spTree>
+      <p:nvGrpSpPr>
+        <p:cNvPr id="1" name="">
+          <a:extLst>
+            <a:ext uri="{FF2B5EF4-FFF2-40B4-BE49-F238E27FC236}">
+              <a16:creationId xmlns:a16="http://schemas.microsoft.com/office/drawing/2014/main" id="{F2F06DED-C8C9-98D2-7724-6D227F355C7A}"/>
+            </a:ext>
+          </a:extLst>
+        </p:cNvPr>
+        <p:cNvGrpSpPr/>
+        <p:nvPr/>
+      </p:nvGrpSpPr>
+      <p:grpSpPr>
+        <a:xfrm>
+          <a:off x="0" y="0"/>
+          <a:ext cx="0" cy="0"/>
+          <a:chOff x="0" y="0"/>
+          <a:chExt cx="0" cy="0"/>
+        </a:xfrm>
+      </p:grpSpPr>
+      <p:sp>
+        <p:nvSpPr>
+          <p:cNvPr id="2" name="슬라이드 이미지 개체 틀 1">
+            <a:extLst>
+              <a:ext uri="{FF2B5EF4-FFF2-40B4-BE49-F238E27FC236}">
+                <a16:creationId xmlns:a16="http://schemas.microsoft.com/office/drawing/2014/main" id="{EEDD0A3A-AC9B-8AFC-0A52-0C7CC3ECF358}"/>
+              </a:ext>
+            </a:extLst>
+          </p:cNvPr>
+          <p:cNvSpPr>
+            <a:spLocks noGrp="1" noRot="1" noChangeAspect="1"/>
+          </p:cNvSpPr>
+          <p:nvPr>
+            <p:ph type="sldImg"/>
+          </p:nvPr>
+        </p:nvSpPr>
+        <p:spPr>
+          <a:xfrm>
+            <a:off x="685800" y="1143000"/>
+            <a:ext cx="5487988" cy="3087688"/>
+          </a:xfrm>
+          <a:prstGeom prst="rect">
+            <a:avLst/>
+          </a:prstGeom>
+          <a:noFill/>
+          <a:ln w="12700" cap="flat" cmpd="sng">
+            <a:solidFill>
+              <a:srgbClr val="000000">
+                <a:alpha val="100000"/>
+              </a:srgbClr>
+            </a:solidFill>
+            <a:prstDash val="solid"/>
+          </a:ln>
+        </p:spPr>
+        <p:txBody>
+          <a:bodyPr vert="horz" wrap="square" lIns="0" tIns="0" rIns="0" bIns="0" numCol="1" anchor="t">
+            <a:noAutofit/>
+          </a:bodyPr>
+          <a:lstStyle/>
+          <a:p>
+            <a:pPr marL="0" indent="0">
+              <a:buFontTx/>
+              <a:buNone/>
+            </a:pPr>
+            <a:endParaRPr/>
+          </a:p>
+        </p:txBody>
+      </p:sp>
+      <p:sp>
+        <p:nvSpPr>
+          <p:cNvPr id="3" name="슬라이드 노트 개체 틀 2">
+            <a:extLst>
+              <a:ext uri="{FF2B5EF4-FFF2-40B4-BE49-F238E27FC236}">
+                <a16:creationId xmlns:a16="http://schemas.microsoft.com/office/drawing/2014/main" id="{E4B80F49-AFAA-26D2-68CB-295EC258D3EF}"/>
+              </a:ext>
+            </a:extLst>
+          </p:cNvPr>
+          <p:cNvSpPr txBox="1">
+            <a:spLocks noGrp="1"/>
+          </p:cNvSpPr>
+          <p:nvPr>
+            <p:ph type="body" idx="1"/>
+          </p:nvPr>
+        </p:nvSpPr>
+        <p:spPr>
+          <a:xfrm>
+            <a:off x="685800" y="4400550"/>
+            <a:ext cx="5487670" cy="3601720"/>
+          </a:xfrm>
+          <a:prstGeom prst="rect">
+            <a:avLst/>
+          </a:prstGeom>
+        </p:spPr>
+        <p:txBody>
+          <a:bodyPr vert="horz" wrap="square" lIns="91440" tIns="45720" rIns="91440" bIns="45720" numCol="1" anchor="t">
+            <a:noAutofit/>
+          </a:bodyPr>
+          <a:lstStyle/>
+          <a:p>
+            <a:pPr marL="0" indent="0">
+              <a:buFontTx/>
+              <a:buNone/>
+            </a:pPr>
+            <a:endParaRPr/>
+          </a:p>
+        </p:txBody>
+      </p:sp>
+      <p:sp>
+        <p:nvSpPr>
+          <p:cNvPr id="4" name="슬라이드 번호 개체 틀 3">
+            <a:extLst>
+              <a:ext uri="{FF2B5EF4-FFF2-40B4-BE49-F238E27FC236}">
+                <a16:creationId xmlns:a16="http://schemas.microsoft.com/office/drawing/2014/main" id="{FF8F03DA-DFF2-9562-355C-ACF4724CB888}"/>
+              </a:ext>
+            </a:extLst>
+          </p:cNvPr>
+          <p:cNvSpPr txBox="1">
+            <a:spLocks noGrp="1"/>
+          </p:cNvSpPr>
+          <p:nvPr>
+            <p:ph type="sldNum" idx="10"/>
+          </p:nvPr>
+        </p:nvSpPr>
+        <p:spPr>
+          <a:xfrm>
+            <a:off x="3884930" y="8685530"/>
+            <a:ext cx="2973070" cy="459740"/>
+          </a:xfrm>
+          <a:prstGeom prst="rect">
+            <a:avLst/>
+          </a:prstGeom>
+        </p:spPr>
+        <p:txBody>
+          <a:bodyPr vert="horz" wrap="square" lIns="91440" tIns="45720" rIns="91440" bIns="45720" numCol="1" anchor="b">
+            <a:noAutofit/>
+          </a:bodyPr>
+          <a:lstStyle/>
+          <a:p>
+            <a:pPr marL="0" indent="0">
+              <a:buFontTx/>
+              <a:buNone/>
+            </a:pPr>
+            <a:fld id="{B9320F77-B9A0-41C5-862A-B4B631284C64}" type="slidenum">
+              <a:rPr lang="ko-KR" altLang="en-US"/>
+              <a:t>3</a:t>
+            </a:fld>
+            <a:endParaRPr lang="ko-KR" altLang="en-US"/>
+          </a:p>
+        </p:txBody>
+      </p:sp>
+    </p:spTree>
+    <p:extLst>
+      <p:ext uri="{BB962C8B-B14F-4D97-AF65-F5344CB8AC3E}">
+        <p14:creationId xmlns:p14="http://schemas.microsoft.com/office/powerpoint/2010/main" val="294575554"/>
+      </p:ext>
+    </p:extLst>
+  </p:cSld>
+  <p:clrMapOvr>
+    <a:masterClrMapping/>
+  </p:clrMapOvr>
+</p:notes>
+</file>
+
+<file path=ppt/notesSlides/notesSlide4.xml><?xml version="1.0" encoding="utf-8"?>
+<p:notes xmlns:a="http://schemas.openxmlformats.org/drawingml/2006/main" xmlns:r="http://schemas.openxmlformats.org/officeDocument/2006/relationships" xmlns:p="http://schemas.openxmlformats.org/presentationml/2006/main">
+  <p:cSld>
+    <p:spTree>
+      <p:nvGrpSpPr>
+        <p:cNvPr id="1" name="">
+          <a:extLst>
+            <a:ext uri="{FF2B5EF4-FFF2-40B4-BE49-F238E27FC236}">
+              <a16:creationId xmlns:a16="http://schemas.microsoft.com/office/drawing/2014/main" id="{7E4C7265-F474-C700-17FB-7F5B56B16AF9}"/>
+            </a:ext>
+          </a:extLst>
+        </p:cNvPr>
+        <p:cNvGrpSpPr/>
+        <p:nvPr/>
+      </p:nvGrpSpPr>
+      <p:grpSpPr>
+        <a:xfrm>
+          <a:off x="0" y="0"/>
+          <a:ext cx="0" cy="0"/>
+          <a:chOff x="0" y="0"/>
+          <a:chExt cx="0" cy="0"/>
+        </a:xfrm>
+      </p:grpSpPr>
+      <p:sp>
+        <p:nvSpPr>
+          <p:cNvPr id="2" name="슬라이드 이미지 개체 틀 1">
+            <a:extLst>
+              <a:ext uri="{FF2B5EF4-FFF2-40B4-BE49-F238E27FC236}">
+                <a16:creationId xmlns:a16="http://schemas.microsoft.com/office/drawing/2014/main" id="{9C5AE9FE-AC4A-507F-7250-C35121CE0A4E}"/>
+              </a:ext>
+            </a:extLst>
+          </p:cNvPr>
+          <p:cNvSpPr>
+            <a:spLocks noGrp="1" noRot="1" noChangeAspect="1"/>
+          </p:cNvSpPr>
+          <p:nvPr>
+            <p:ph type="sldImg"/>
+          </p:nvPr>
+        </p:nvSpPr>
+        <p:spPr>
+          <a:xfrm>
+            <a:off x="685800" y="1143000"/>
+            <a:ext cx="5487988" cy="3087688"/>
+          </a:xfrm>
+          <a:prstGeom prst="rect">
+            <a:avLst/>
+          </a:prstGeom>
+          <a:noFill/>
+          <a:ln w="12700" cap="flat" cmpd="sng">
+            <a:solidFill>
+              <a:srgbClr val="000000">
+                <a:alpha val="100000"/>
+              </a:srgbClr>
+            </a:solidFill>
+            <a:prstDash val="solid"/>
+          </a:ln>
+        </p:spPr>
+        <p:txBody>
+          <a:bodyPr vert="horz" wrap="square" lIns="0" tIns="0" rIns="0" bIns="0" numCol="1" anchor="t">
+            <a:noAutofit/>
+          </a:bodyPr>
+          <a:lstStyle/>
+          <a:p>
+            <a:pPr marL="0" indent="0">
+              <a:buFontTx/>
+              <a:buNone/>
+            </a:pPr>
+            <a:endParaRPr/>
+          </a:p>
+        </p:txBody>
+      </p:sp>
+      <p:sp>
+        <p:nvSpPr>
+          <p:cNvPr id="3" name="슬라이드 노트 개체 틀 2">
+            <a:extLst>
+              <a:ext uri="{FF2B5EF4-FFF2-40B4-BE49-F238E27FC236}">
+                <a16:creationId xmlns:a16="http://schemas.microsoft.com/office/drawing/2014/main" id="{F2BD1633-9682-3684-6A3B-D6639FFBE75C}"/>
+              </a:ext>
+            </a:extLst>
+          </p:cNvPr>
+          <p:cNvSpPr txBox="1">
+            <a:spLocks noGrp="1"/>
+          </p:cNvSpPr>
+          <p:nvPr>
+            <p:ph type="body" idx="1"/>
+          </p:nvPr>
+        </p:nvSpPr>
+        <p:spPr>
+          <a:xfrm>
+            <a:off x="685800" y="4400550"/>
+            <a:ext cx="5487670" cy="3601720"/>
+          </a:xfrm>
+          <a:prstGeom prst="rect">
+            <a:avLst/>
+          </a:prstGeom>
+        </p:spPr>
+        <p:txBody>
+          <a:bodyPr vert="horz" wrap="square" lIns="91440" tIns="45720" rIns="91440" bIns="45720" numCol="1" anchor="t">
+            <a:noAutofit/>
+          </a:bodyPr>
+          <a:lstStyle/>
+          <a:p>
+            <a:pPr marL="0" indent="0">
+              <a:buFontTx/>
+              <a:buNone/>
+            </a:pPr>
+            <a:endParaRPr/>
+          </a:p>
+        </p:txBody>
+      </p:sp>
+      <p:sp>
+        <p:nvSpPr>
+          <p:cNvPr id="4" name="슬라이드 번호 개체 틀 3">
+            <a:extLst>
+              <a:ext uri="{FF2B5EF4-FFF2-40B4-BE49-F238E27FC236}">
+                <a16:creationId xmlns:a16="http://schemas.microsoft.com/office/drawing/2014/main" id="{65ED6CB7-38A9-67F2-106E-93232BC1D6C3}"/>
+              </a:ext>
+            </a:extLst>
+          </p:cNvPr>
+          <p:cNvSpPr txBox="1">
+            <a:spLocks noGrp="1"/>
+          </p:cNvSpPr>
+          <p:nvPr>
+            <p:ph type="sldNum" idx="10"/>
+          </p:nvPr>
+        </p:nvSpPr>
+        <p:spPr>
+          <a:xfrm>
+            <a:off x="3884930" y="8685530"/>
+            <a:ext cx="2973070" cy="459740"/>
+          </a:xfrm>
+          <a:prstGeom prst="rect">
+            <a:avLst/>
+          </a:prstGeom>
+        </p:spPr>
+        <p:txBody>
+          <a:bodyPr vert="horz" wrap="square" lIns="91440" tIns="45720" rIns="91440" bIns="45720" numCol="1" anchor="b">
+            <a:noAutofit/>
+          </a:bodyPr>
+          <a:lstStyle/>
+          <a:p>
+            <a:pPr marL="0" indent="0">
+              <a:buFontTx/>
+              <a:buNone/>
+            </a:pPr>
+            <a:fld id="{B9320F77-B9A0-41C5-862A-B4B631284C64}" type="slidenum">
+              <a:rPr lang="ko-KR" altLang="en-US"/>
+              <a:t>4</a:t>
+            </a:fld>
+            <a:endParaRPr lang="ko-KR" altLang="en-US"/>
+          </a:p>
+        </p:txBody>
+      </p:sp>
+    </p:spTree>
+    <p:extLst>
+      <p:ext uri="{BB962C8B-B14F-4D97-AF65-F5344CB8AC3E}">
+        <p14:creationId xmlns:p14="http://schemas.microsoft.com/office/powerpoint/2010/main" val="3735798862"/>
+      </p:ext>
+    </p:extLst>
+  </p:cSld>
+  <p:clrMapOvr>
+    <a:masterClrMapping/>
+  </p:clrMapOvr>
 </p:notes>
 </file>
 
@@ -946,10 +1281,9 @@
           </a:lstStyle>
           <a:p>
             <a:r>
-              <a:rPr lang="ko-KR" altLang="en-US" smtClean="0"/>
+              <a:rPr lang="ko-KR" altLang="en-US"/>
               <a:t>마스터 제목 스타일 편집</a:t>
             </a:r>
-            <a:endParaRPr lang="ko-KR" altLang="en-US"/>
           </a:p>
         </p:txBody>
       </p:sp>
@@ -1011,10 +1345,9 @@
           </a:lstStyle>
           <a:p>
             <a:r>
-              <a:rPr lang="ko-KR" altLang="en-US" smtClean="0"/>
+              <a:rPr lang="ko-KR" altLang="en-US"/>
               <a:t>클릭하여 마스터 부제목 스타일 편집</a:t>
             </a:r>
-            <a:endParaRPr lang="ko-KR" altLang="en-US"/>
           </a:p>
         </p:txBody>
       </p:sp>
@@ -1035,7 +1368,7 @@
           <a:p>
             <a:fld id="{14ED09F3-42FA-4000-BA19-9FDED2BD3142}" type="datetimeFigureOut">
               <a:rPr lang="ko-KR" altLang="en-US" smtClean="0"/>
-              <a:t>2018-12-20</a:t>
+              <a:t>2025-07-11</a:t>
             </a:fld>
             <a:endParaRPr lang="ko-KR" altLang="en-US"/>
           </a:p>
@@ -1129,10 +1462,9 @@
           <a:lstStyle/>
           <a:p>
             <a:r>
-              <a:rPr lang="ko-KR" altLang="en-US" smtClean="0"/>
+              <a:rPr lang="ko-KR" altLang="en-US"/>
               <a:t>마스터 제목 스타일 편집</a:t>
             </a:r>
-            <a:endParaRPr lang="ko-KR" altLang="en-US"/>
           </a:p>
         </p:txBody>
       </p:sp>
@@ -1153,38 +1485,37 @@
           <a:p>
             <a:pPr lvl="0"/>
             <a:r>
-              <a:rPr lang="ko-KR" altLang="en-US" smtClean="0"/>
+              <a:rPr lang="ko-KR" altLang="en-US"/>
               <a:t>마스터 텍스트 스타일 편집</a:t>
             </a:r>
           </a:p>
           <a:p>
             <a:pPr lvl="1"/>
             <a:r>
-              <a:rPr lang="ko-KR" altLang="en-US" smtClean="0"/>
+              <a:rPr lang="ko-KR" altLang="en-US"/>
               <a:t>둘째 수준</a:t>
             </a:r>
           </a:p>
           <a:p>
             <a:pPr lvl="2"/>
             <a:r>
-              <a:rPr lang="ko-KR" altLang="en-US" smtClean="0"/>
+              <a:rPr lang="ko-KR" altLang="en-US"/>
               <a:t>셋째 수준</a:t>
             </a:r>
           </a:p>
           <a:p>
             <a:pPr lvl="3"/>
             <a:r>
-              <a:rPr lang="ko-KR" altLang="en-US" smtClean="0"/>
+              <a:rPr lang="ko-KR" altLang="en-US"/>
               <a:t>넷째 수준</a:t>
             </a:r>
           </a:p>
           <a:p>
             <a:pPr lvl="4"/>
             <a:r>
-              <a:rPr lang="ko-KR" altLang="en-US" smtClean="0"/>
+              <a:rPr lang="ko-KR" altLang="en-US"/>
               <a:t>다섯째 수준</a:t>
             </a:r>
-            <a:endParaRPr lang="ko-KR" altLang="en-US"/>
           </a:p>
         </p:txBody>
       </p:sp>
@@ -1205,7 +1536,7 @@
           <a:p>
             <a:fld id="{14ED09F3-42FA-4000-BA19-9FDED2BD3142}" type="datetimeFigureOut">
               <a:rPr lang="ko-KR" altLang="en-US" smtClean="0"/>
-              <a:t>2018-12-20</a:t>
+              <a:t>2025-07-11</a:t>
             </a:fld>
             <a:endParaRPr lang="ko-KR" altLang="en-US"/>
           </a:p>
@@ -1304,10 +1635,9 @@
           <a:lstStyle/>
           <a:p>
             <a:r>
-              <a:rPr lang="ko-KR" altLang="en-US" smtClean="0"/>
+              <a:rPr lang="ko-KR" altLang="en-US"/>
               <a:t>마스터 제목 스타일 편집</a:t>
             </a:r>
-            <a:endParaRPr lang="ko-KR" altLang="en-US"/>
           </a:p>
         </p:txBody>
       </p:sp>
@@ -1333,38 +1663,37 @@
           <a:p>
             <a:pPr lvl="0"/>
             <a:r>
-              <a:rPr lang="ko-KR" altLang="en-US" smtClean="0"/>
+              <a:rPr lang="ko-KR" altLang="en-US"/>
               <a:t>마스터 텍스트 스타일 편집</a:t>
             </a:r>
           </a:p>
           <a:p>
             <a:pPr lvl="1"/>
             <a:r>
-              <a:rPr lang="ko-KR" altLang="en-US" smtClean="0"/>
+              <a:rPr lang="ko-KR" altLang="en-US"/>
               <a:t>둘째 수준</a:t>
             </a:r>
           </a:p>
           <a:p>
             <a:pPr lvl="2"/>
             <a:r>
-              <a:rPr lang="ko-KR" altLang="en-US" smtClean="0"/>
+              <a:rPr lang="ko-KR" altLang="en-US"/>
               <a:t>셋째 수준</a:t>
             </a:r>
           </a:p>
           <a:p>
             <a:pPr lvl="3"/>
             <a:r>
-              <a:rPr lang="ko-KR" altLang="en-US" smtClean="0"/>
+              <a:rPr lang="ko-KR" altLang="en-US"/>
               <a:t>넷째 수준</a:t>
             </a:r>
           </a:p>
           <a:p>
             <a:pPr lvl="4"/>
             <a:r>
-              <a:rPr lang="ko-KR" altLang="en-US" smtClean="0"/>
+              <a:rPr lang="ko-KR" altLang="en-US"/>
               <a:t>다섯째 수준</a:t>
             </a:r>
-            <a:endParaRPr lang="ko-KR" altLang="en-US"/>
           </a:p>
         </p:txBody>
       </p:sp>
@@ -1385,7 +1714,7 @@
           <a:p>
             <a:fld id="{14ED09F3-42FA-4000-BA19-9FDED2BD3142}" type="datetimeFigureOut">
               <a:rPr lang="ko-KR" altLang="en-US" smtClean="0"/>
-              <a:t>2018-12-20</a:t>
+              <a:t>2025-07-11</a:t>
             </a:fld>
             <a:endParaRPr lang="ko-KR" altLang="en-US"/>
           </a:p>
@@ -1479,10 +1808,9 @@
           <a:lstStyle/>
           <a:p>
             <a:r>
-              <a:rPr lang="ko-KR" altLang="en-US" smtClean="0"/>
+              <a:rPr lang="ko-KR" altLang="en-US"/>
               <a:t>마스터 제목 스타일 편집</a:t>
             </a:r>
-            <a:endParaRPr lang="ko-KR" altLang="en-US"/>
           </a:p>
         </p:txBody>
       </p:sp>
@@ -1503,38 +1831,37 @@
           <a:p>
             <a:pPr lvl="0"/>
             <a:r>
-              <a:rPr lang="ko-KR" altLang="en-US" smtClean="0"/>
+              <a:rPr lang="ko-KR" altLang="en-US"/>
               <a:t>마스터 텍스트 스타일 편집</a:t>
             </a:r>
           </a:p>
           <a:p>
             <a:pPr lvl="1"/>
             <a:r>
-              <a:rPr lang="ko-KR" altLang="en-US" smtClean="0"/>
+              <a:rPr lang="ko-KR" altLang="en-US"/>
               <a:t>둘째 수준</a:t>
             </a:r>
           </a:p>
           <a:p>
             <a:pPr lvl="2"/>
             <a:r>
-              <a:rPr lang="ko-KR" altLang="en-US" smtClean="0"/>
+              <a:rPr lang="ko-KR" altLang="en-US"/>
               <a:t>셋째 수준</a:t>
             </a:r>
           </a:p>
           <a:p>
             <a:pPr lvl="3"/>
             <a:r>
-              <a:rPr lang="ko-KR" altLang="en-US" smtClean="0"/>
+              <a:rPr lang="ko-KR" altLang="en-US"/>
               <a:t>넷째 수준</a:t>
             </a:r>
           </a:p>
           <a:p>
             <a:pPr lvl="4"/>
             <a:r>
-              <a:rPr lang="ko-KR" altLang="en-US" smtClean="0"/>
+              <a:rPr lang="ko-KR" altLang="en-US"/>
               <a:t>다섯째 수준</a:t>
             </a:r>
-            <a:endParaRPr lang="ko-KR" altLang="en-US"/>
           </a:p>
         </p:txBody>
       </p:sp>
@@ -1555,7 +1882,7 @@
           <a:p>
             <a:fld id="{14ED09F3-42FA-4000-BA19-9FDED2BD3142}" type="datetimeFigureOut">
               <a:rPr lang="ko-KR" altLang="en-US" smtClean="0"/>
-              <a:t>2018-12-20</a:t>
+              <a:t>2025-07-11</a:t>
             </a:fld>
             <a:endParaRPr lang="ko-KR" altLang="en-US"/>
           </a:p>
@@ -1658,10 +1985,9 @@
           </a:lstStyle>
           <a:p>
             <a:r>
-              <a:rPr lang="ko-KR" altLang="en-US" smtClean="0"/>
+              <a:rPr lang="ko-KR" altLang="en-US"/>
               <a:t>마스터 제목 스타일 편집</a:t>
             </a:r>
-            <a:endParaRPr lang="ko-KR" altLang="en-US"/>
           </a:p>
         </p:txBody>
       </p:sp>
@@ -1778,7 +2104,7 @@
           <a:p>
             <a:pPr lvl="0"/>
             <a:r>
-              <a:rPr lang="ko-KR" altLang="en-US" smtClean="0"/>
+              <a:rPr lang="ko-KR" altLang="en-US"/>
               <a:t>마스터 텍스트 스타일 편집</a:t>
             </a:r>
           </a:p>
@@ -1801,7 +2127,7 @@
           <a:p>
             <a:fld id="{14ED09F3-42FA-4000-BA19-9FDED2BD3142}" type="datetimeFigureOut">
               <a:rPr lang="ko-KR" altLang="en-US" smtClean="0"/>
-              <a:t>2018-12-20</a:t>
+              <a:t>2025-07-11</a:t>
             </a:fld>
             <a:endParaRPr lang="ko-KR" altLang="en-US"/>
           </a:p>
@@ -1895,10 +2221,9 @@
           <a:lstStyle/>
           <a:p>
             <a:r>
-              <a:rPr lang="ko-KR" altLang="en-US" smtClean="0"/>
+              <a:rPr lang="ko-KR" altLang="en-US"/>
               <a:t>마스터 제목 스타일 편집</a:t>
             </a:r>
-            <a:endParaRPr lang="ko-KR" altLang="en-US"/>
           </a:p>
         </p:txBody>
       </p:sp>
@@ -1924,38 +2249,37 @@
           <a:p>
             <a:pPr lvl="0"/>
             <a:r>
-              <a:rPr lang="ko-KR" altLang="en-US" smtClean="0"/>
+              <a:rPr lang="ko-KR" altLang="en-US"/>
               <a:t>마스터 텍스트 스타일 편집</a:t>
             </a:r>
           </a:p>
           <a:p>
             <a:pPr lvl="1"/>
             <a:r>
-              <a:rPr lang="ko-KR" altLang="en-US" smtClean="0"/>
+              <a:rPr lang="ko-KR" altLang="en-US"/>
               <a:t>둘째 수준</a:t>
             </a:r>
           </a:p>
           <a:p>
             <a:pPr lvl="2"/>
             <a:r>
-              <a:rPr lang="ko-KR" altLang="en-US" smtClean="0"/>
+              <a:rPr lang="ko-KR" altLang="en-US"/>
               <a:t>셋째 수준</a:t>
             </a:r>
           </a:p>
           <a:p>
             <a:pPr lvl="3"/>
             <a:r>
-              <a:rPr lang="ko-KR" altLang="en-US" smtClean="0"/>
+              <a:rPr lang="ko-KR" altLang="en-US"/>
               <a:t>넷째 수준</a:t>
             </a:r>
           </a:p>
           <a:p>
             <a:pPr lvl="4"/>
             <a:r>
-              <a:rPr lang="ko-KR" altLang="en-US" smtClean="0"/>
+              <a:rPr lang="ko-KR" altLang="en-US"/>
               <a:t>다섯째 수준</a:t>
             </a:r>
-            <a:endParaRPr lang="ko-KR" altLang="en-US"/>
           </a:p>
         </p:txBody>
       </p:sp>
@@ -1981,38 +2305,37 @@
           <a:p>
             <a:pPr lvl="0"/>
             <a:r>
-              <a:rPr lang="ko-KR" altLang="en-US" smtClean="0"/>
+              <a:rPr lang="ko-KR" altLang="en-US"/>
               <a:t>마스터 텍스트 스타일 편집</a:t>
             </a:r>
           </a:p>
           <a:p>
             <a:pPr lvl="1"/>
             <a:r>
-              <a:rPr lang="ko-KR" altLang="en-US" smtClean="0"/>
+              <a:rPr lang="ko-KR" altLang="en-US"/>
               <a:t>둘째 수준</a:t>
             </a:r>
           </a:p>
           <a:p>
             <a:pPr lvl="2"/>
             <a:r>
-              <a:rPr lang="ko-KR" altLang="en-US" smtClean="0"/>
+              <a:rPr lang="ko-KR" altLang="en-US"/>
               <a:t>셋째 수준</a:t>
             </a:r>
           </a:p>
           <a:p>
             <a:pPr lvl="3"/>
             <a:r>
-              <a:rPr lang="ko-KR" altLang="en-US" smtClean="0"/>
+              <a:rPr lang="ko-KR" altLang="en-US"/>
               <a:t>넷째 수준</a:t>
             </a:r>
           </a:p>
           <a:p>
             <a:pPr lvl="4"/>
             <a:r>
-              <a:rPr lang="ko-KR" altLang="en-US" smtClean="0"/>
+              <a:rPr lang="ko-KR" altLang="en-US"/>
               <a:t>다섯째 수준</a:t>
             </a:r>
-            <a:endParaRPr lang="ko-KR" altLang="en-US"/>
           </a:p>
         </p:txBody>
       </p:sp>
@@ -2033,7 +2356,7 @@
           <a:p>
             <a:fld id="{14ED09F3-42FA-4000-BA19-9FDED2BD3142}" type="datetimeFigureOut">
               <a:rPr lang="ko-KR" altLang="en-US" smtClean="0"/>
-              <a:t>2018-12-20</a:t>
+              <a:t>2025-07-11</a:t>
             </a:fld>
             <a:endParaRPr lang="ko-KR" altLang="en-US"/>
           </a:p>
@@ -2132,10 +2455,9 @@
           <a:lstStyle/>
           <a:p>
             <a:r>
-              <a:rPr lang="ko-KR" altLang="en-US" smtClean="0"/>
+              <a:rPr lang="ko-KR" altLang="en-US"/>
               <a:t>마스터 제목 스타일 편집</a:t>
             </a:r>
-            <a:endParaRPr lang="ko-KR" altLang="en-US"/>
           </a:p>
         </p:txBody>
       </p:sp>
@@ -2198,7 +2520,7 @@
           <a:p>
             <a:pPr lvl="0"/>
             <a:r>
-              <a:rPr lang="ko-KR" altLang="en-US" smtClean="0"/>
+              <a:rPr lang="ko-KR" altLang="en-US"/>
               <a:t>마스터 텍스트 스타일 편집</a:t>
             </a:r>
           </a:p>
@@ -2226,38 +2548,37 @@
           <a:p>
             <a:pPr lvl="0"/>
             <a:r>
-              <a:rPr lang="ko-KR" altLang="en-US" smtClean="0"/>
+              <a:rPr lang="ko-KR" altLang="en-US"/>
               <a:t>마스터 텍스트 스타일 편집</a:t>
             </a:r>
           </a:p>
           <a:p>
             <a:pPr lvl="1"/>
             <a:r>
-              <a:rPr lang="ko-KR" altLang="en-US" smtClean="0"/>
+              <a:rPr lang="ko-KR" altLang="en-US"/>
               <a:t>둘째 수준</a:t>
             </a:r>
           </a:p>
           <a:p>
             <a:pPr lvl="2"/>
             <a:r>
-              <a:rPr lang="ko-KR" altLang="en-US" smtClean="0"/>
+              <a:rPr lang="ko-KR" altLang="en-US"/>
               <a:t>셋째 수준</a:t>
             </a:r>
           </a:p>
           <a:p>
             <a:pPr lvl="3"/>
             <a:r>
-              <a:rPr lang="ko-KR" altLang="en-US" smtClean="0"/>
+              <a:rPr lang="ko-KR" altLang="en-US"/>
               <a:t>넷째 수준</a:t>
             </a:r>
           </a:p>
           <a:p>
             <a:pPr lvl="4"/>
             <a:r>
-              <a:rPr lang="ko-KR" altLang="en-US" smtClean="0"/>
+              <a:rPr lang="ko-KR" altLang="en-US"/>
               <a:t>다섯째 수준</a:t>
             </a:r>
-            <a:endParaRPr lang="ko-KR" altLang="en-US"/>
           </a:p>
         </p:txBody>
       </p:sp>
@@ -2320,7 +2641,7 @@
           <a:p>
             <a:pPr lvl="0"/>
             <a:r>
-              <a:rPr lang="ko-KR" altLang="en-US" smtClean="0"/>
+              <a:rPr lang="ko-KR" altLang="en-US"/>
               <a:t>마스터 텍스트 스타일 편집</a:t>
             </a:r>
           </a:p>
@@ -2348,38 +2669,37 @@
           <a:p>
             <a:pPr lvl="0"/>
             <a:r>
-              <a:rPr lang="ko-KR" altLang="en-US" smtClean="0"/>
+              <a:rPr lang="ko-KR" altLang="en-US"/>
               <a:t>마스터 텍스트 스타일 편집</a:t>
             </a:r>
           </a:p>
           <a:p>
             <a:pPr lvl="1"/>
             <a:r>
-              <a:rPr lang="ko-KR" altLang="en-US" smtClean="0"/>
+              <a:rPr lang="ko-KR" altLang="en-US"/>
               <a:t>둘째 수준</a:t>
             </a:r>
           </a:p>
           <a:p>
             <a:pPr lvl="2"/>
             <a:r>
-              <a:rPr lang="ko-KR" altLang="en-US" smtClean="0"/>
+              <a:rPr lang="ko-KR" altLang="en-US"/>
               <a:t>셋째 수준</a:t>
             </a:r>
           </a:p>
           <a:p>
             <a:pPr lvl="3"/>
             <a:r>
-              <a:rPr lang="ko-KR" altLang="en-US" smtClean="0"/>
+              <a:rPr lang="ko-KR" altLang="en-US"/>
               <a:t>넷째 수준</a:t>
             </a:r>
           </a:p>
           <a:p>
             <a:pPr lvl="4"/>
             <a:r>
-              <a:rPr lang="ko-KR" altLang="en-US" smtClean="0"/>
+              <a:rPr lang="ko-KR" altLang="en-US"/>
               <a:t>다섯째 수준</a:t>
             </a:r>
-            <a:endParaRPr lang="ko-KR" altLang="en-US"/>
           </a:p>
         </p:txBody>
       </p:sp>
@@ -2400,7 +2720,7 @@
           <a:p>
             <a:fld id="{14ED09F3-42FA-4000-BA19-9FDED2BD3142}" type="datetimeFigureOut">
               <a:rPr lang="ko-KR" altLang="en-US" smtClean="0"/>
-              <a:t>2018-12-20</a:t>
+              <a:t>2025-07-11</a:t>
             </a:fld>
             <a:endParaRPr lang="ko-KR" altLang="en-US"/>
           </a:p>
@@ -2494,10 +2814,9 @@
           <a:lstStyle/>
           <a:p>
             <a:r>
-              <a:rPr lang="ko-KR" altLang="en-US" smtClean="0"/>
+              <a:rPr lang="ko-KR" altLang="en-US"/>
               <a:t>마스터 제목 스타일 편집</a:t>
             </a:r>
-            <a:endParaRPr lang="ko-KR" altLang="en-US"/>
           </a:p>
         </p:txBody>
       </p:sp>
@@ -2518,7 +2837,7 @@
           <a:p>
             <a:fld id="{14ED09F3-42FA-4000-BA19-9FDED2BD3142}" type="datetimeFigureOut">
               <a:rPr lang="ko-KR" altLang="en-US" smtClean="0"/>
-              <a:t>2018-12-20</a:t>
+              <a:t>2025-07-11</a:t>
             </a:fld>
             <a:endParaRPr lang="ko-KR" altLang="en-US"/>
           </a:p>
@@ -2613,7 +2932,7 @@
           <a:p>
             <a:fld id="{14ED09F3-42FA-4000-BA19-9FDED2BD3142}" type="datetimeFigureOut">
               <a:rPr lang="ko-KR" altLang="en-US" smtClean="0"/>
-              <a:t>2018-12-20</a:t>
+              <a:t>2025-07-11</a:t>
             </a:fld>
             <a:endParaRPr lang="ko-KR" altLang="en-US"/>
           </a:p>
@@ -2716,10 +3035,9 @@
           </a:lstStyle>
           <a:p>
             <a:r>
-              <a:rPr lang="ko-KR" altLang="en-US" smtClean="0"/>
+              <a:rPr lang="ko-KR" altLang="en-US"/>
               <a:t>마스터 제목 스타일 편집</a:t>
             </a:r>
-            <a:endParaRPr lang="ko-KR" altLang="en-US"/>
           </a:p>
         </p:txBody>
       </p:sp>
@@ -2773,38 +3091,37 @@
           <a:p>
             <a:pPr lvl="0"/>
             <a:r>
-              <a:rPr lang="ko-KR" altLang="en-US" smtClean="0"/>
+              <a:rPr lang="ko-KR" altLang="en-US"/>
               <a:t>마스터 텍스트 스타일 편집</a:t>
             </a:r>
           </a:p>
           <a:p>
             <a:pPr lvl="1"/>
             <a:r>
-              <a:rPr lang="ko-KR" altLang="en-US" smtClean="0"/>
+              <a:rPr lang="ko-KR" altLang="en-US"/>
               <a:t>둘째 수준</a:t>
             </a:r>
           </a:p>
           <a:p>
             <a:pPr lvl="2"/>
             <a:r>
-              <a:rPr lang="ko-KR" altLang="en-US" smtClean="0"/>
+              <a:rPr lang="ko-KR" altLang="en-US"/>
               <a:t>셋째 수준</a:t>
             </a:r>
           </a:p>
           <a:p>
             <a:pPr lvl="3"/>
             <a:r>
-              <a:rPr lang="ko-KR" altLang="en-US" smtClean="0"/>
+              <a:rPr lang="ko-KR" altLang="en-US"/>
               <a:t>넷째 수준</a:t>
             </a:r>
           </a:p>
           <a:p>
             <a:pPr lvl="4"/>
             <a:r>
-              <a:rPr lang="ko-KR" altLang="en-US" smtClean="0"/>
+              <a:rPr lang="ko-KR" altLang="en-US"/>
               <a:t>다섯째 수준</a:t>
             </a:r>
-            <a:endParaRPr lang="ko-KR" altLang="en-US"/>
           </a:p>
         </p:txBody>
       </p:sp>
@@ -2867,7 +3184,7 @@
           <a:p>
             <a:pPr lvl="0"/>
             <a:r>
-              <a:rPr lang="ko-KR" altLang="en-US" smtClean="0"/>
+              <a:rPr lang="ko-KR" altLang="en-US"/>
               <a:t>마스터 텍스트 스타일 편집</a:t>
             </a:r>
           </a:p>
@@ -2890,7 +3207,7 @@
           <a:p>
             <a:fld id="{14ED09F3-42FA-4000-BA19-9FDED2BD3142}" type="datetimeFigureOut">
               <a:rPr lang="ko-KR" altLang="en-US" smtClean="0"/>
-              <a:t>2018-12-20</a:t>
+              <a:t>2025-07-11</a:t>
             </a:fld>
             <a:endParaRPr lang="ko-KR" altLang="en-US"/>
           </a:p>
@@ -2993,10 +3310,9 @@
           </a:lstStyle>
           <a:p>
             <a:r>
-              <a:rPr lang="ko-KR" altLang="en-US" smtClean="0"/>
+              <a:rPr lang="ko-KR" altLang="en-US"/>
               <a:t>마스터 제목 스타일 편집</a:t>
             </a:r>
-            <a:endParaRPr lang="ko-KR" altLang="en-US"/>
           </a:p>
         </p:txBody>
       </p:sp>
@@ -3120,7 +3436,7 @@
           <a:p>
             <a:pPr lvl="0"/>
             <a:r>
-              <a:rPr lang="ko-KR" altLang="en-US" smtClean="0"/>
+              <a:rPr lang="ko-KR" altLang="en-US"/>
               <a:t>마스터 텍스트 스타일 편집</a:t>
             </a:r>
           </a:p>
@@ -3143,7 +3459,7 @@
           <a:p>
             <a:fld id="{14ED09F3-42FA-4000-BA19-9FDED2BD3142}" type="datetimeFigureOut">
               <a:rPr lang="ko-KR" altLang="en-US" smtClean="0"/>
-              <a:t>2018-12-20</a:t>
+              <a:t>2025-07-11</a:t>
             </a:fld>
             <a:endParaRPr lang="ko-KR" altLang="en-US"/>
           </a:p>
@@ -3252,10 +3568,9 @@
           <a:lstStyle/>
           <a:p>
             <a:r>
-              <a:rPr lang="ko-KR" altLang="en-US" smtClean="0"/>
+              <a:rPr lang="ko-KR" altLang="en-US"/>
               <a:t>마스터 제목 스타일 편집</a:t>
             </a:r>
-            <a:endParaRPr lang="ko-KR" altLang="en-US"/>
           </a:p>
         </p:txBody>
       </p:sp>
@@ -3286,38 +3601,37 @@
           <a:p>
             <a:pPr lvl="0"/>
             <a:r>
-              <a:rPr lang="ko-KR" altLang="en-US" smtClean="0"/>
+              <a:rPr lang="ko-KR" altLang="en-US"/>
               <a:t>마스터 텍스트 스타일 편집</a:t>
             </a:r>
           </a:p>
           <a:p>
             <a:pPr lvl="1"/>
             <a:r>
-              <a:rPr lang="ko-KR" altLang="en-US" smtClean="0"/>
+              <a:rPr lang="ko-KR" altLang="en-US"/>
               <a:t>둘째 수준</a:t>
             </a:r>
           </a:p>
           <a:p>
             <a:pPr lvl="2"/>
             <a:r>
-              <a:rPr lang="ko-KR" altLang="en-US" smtClean="0"/>
+              <a:rPr lang="ko-KR" altLang="en-US"/>
               <a:t>셋째 수준</a:t>
             </a:r>
           </a:p>
           <a:p>
             <a:pPr lvl="3"/>
             <a:r>
-              <a:rPr lang="ko-KR" altLang="en-US" smtClean="0"/>
+              <a:rPr lang="ko-KR" altLang="en-US"/>
               <a:t>넷째 수준</a:t>
             </a:r>
           </a:p>
           <a:p>
             <a:pPr lvl="4"/>
             <a:r>
-              <a:rPr lang="ko-KR" altLang="en-US" smtClean="0"/>
+              <a:rPr lang="ko-KR" altLang="en-US"/>
               <a:t>다섯째 수준</a:t>
             </a:r>
-            <a:endParaRPr lang="ko-KR" altLang="en-US"/>
           </a:p>
         </p:txBody>
       </p:sp>
@@ -3356,7 +3670,7 @@
           <a:p>
             <a:fld id="{14ED09F3-42FA-4000-BA19-9FDED2BD3142}" type="datetimeFigureOut">
               <a:rPr lang="ko-KR" altLang="en-US" smtClean="0"/>
-              <a:t>2018-12-20</a:t>
+              <a:t>2025-07-11</a:t>
             </a:fld>
             <a:endParaRPr lang="ko-KR" altLang="en-US"/>
           </a:p>
@@ -3761,6 +4075,193 @@
           <a:chExt cx="0" cy="0"/>
         </a:xfrm>
       </p:grpSpPr>
+      <p:sp>
+        <p:nvSpPr>
+          <p:cNvPr id="4" name="텍스트 상자 3">
+            <a:extLst>
+              <a:ext uri="{FF2B5EF4-FFF2-40B4-BE49-F238E27FC236}">
+                <a16:creationId xmlns:a16="http://schemas.microsoft.com/office/drawing/2014/main" id="{61D1BDBE-74E2-0446-B942-964C18B4515C}"/>
+              </a:ext>
+            </a:extLst>
+          </p:cNvPr>
+          <p:cNvSpPr txBox="1">
+            <a:spLocks/>
+          </p:cNvSpPr>
+          <p:nvPr/>
+        </p:nvSpPr>
+        <p:spPr>
+          <a:xfrm>
+            <a:off x="839405" y="499059"/>
+            <a:ext cx="7432040" cy="2586606"/>
+          </a:xfrm>
+          <a:prstGeom prst="rect">
+            <a:avLst/>
+          </a:prstGeom>
+          <a:noFill/>
+          <a:ln w="0" cap="flat" cmpd="sng">
+            <a:solidFill>
+              <a:srgbClr val="FFFFFF">
+                <a:alpha val="100000"/>
+              </a:srgbClr>
+            </a:solidFill>
+            <a:prstDash val="solid"/>
+          </a:ln>
+        </p:spPr>
+        <p:txBody>
+          <a:bodyPr vert="horz" wrap="square" lIns="89535" tIns="46355" rIns="89535" bIns="46355" numCol="1" anchor="t">
+            <a:spAutoFit/>
+          </a:bodyPr>
+          <a:lstStyle/>
+          <a:p>
+            <a:r>
+              <a:rPr lang="ko-KR" altLang="en-US" dirty="0"/>
+              <a:t>소개</a:t>
+            </a:r>
+            <a:endParaRPr lang="en-US" altLang="ko-KR" dirty="0"/>
+          </a:p>
+          <a:p>
+            <a:r>
+              <a:rPr lang="ko-KR" altLang="en-US" dirty="0"/>
+              <a:t> </a:t>
+            </a:r>
+            <a:r>
+              <a:rPr lang="en-US" altLang="ko-KR" dirty="0"/>
+              <a:t>- </a:t>
+            </a:r>
+            <a:r>
+              <a:rPr lang="ko-KR" altLang="en-US" dirty="0"/>
+              <a:t>임상규</a:t>
+            </a:r>
+            <a:endParaRPr lang="en-US" altLang="ko-KR" dirty="0"/>
+          </a:p>
+          <a:p>
+            <a:endParaRPr lang="en-US" altLang="ko-KR" dirty="0"/>
+          </a:p>
+          <a:p>
+            <a:pPr fontAlgn="base"/>
+            <a:r>
+              <a:rPr lang="ko-KR" altLang="en-US" dirty="0"/>
+              <a:t>경력</a:t>
+            </a:r>
+            <a:endParaRPr lang="en-US" altLang="ko-KR" dirty="0"/>
+          </a:p>
+          <a:p>
+            <a:pPr fontAlgn="base"/>
+            <a:r>
+              <a:rPr lang="ko-KR" altLang="en-US" dirty="0"/>
+              <a:t> </a:t>
+            </a:r>
+            <a:r>
+              <a:rPr lang="en-US" altLang="ko-KR" dirty="0"/>
+              <a:t>- </a:t>
+            </a:r>
+            <a:r>
+              <a:rPr lang="ko-KR" altLang="en-US" dirty="0"/>
+              <a:t>세종대학교 컴퓨터공학과 </a:t>
+            </a:r>
+            <a:r>
+              <a:rPr lang="en-US" altLang="ko-KR" dirty="0"/>
+              <a:t>10</a:t>
+            </a:r>
+            <a:r>
+              <a:rPr lang="ko-KR" altLang="en-US" dirty="0"/>
+              <a:t>학번</a:t>
+            </a:r>
+            <a:endParaRPr lang="en-US" altLang="ko-KR" dirty="0"/>
+          </a:p>
+          <a:p>
+            <a:pPr fontAlgn="base"/>
+            <a:r>
+              <a:rPr lang="en-US" altLang="ko-KR" dirty="0"/>
+              <a:t> - </a:t>
+            </a:r>
+            <a:r>
+              <a:rPr lang="ko-KR" altLang="en-US" dirty="0"/>
+              <a:t>게임업계 </a:t>
+            </a:r>
+            <a:r>
+              <a:rPr lang="en-US" altLang="ko-KR" dirty="0"/>
+              <a:t>8</a:t>
+            </a:r>
+            <a:r>
+              <a:rPr lang="ko-KR" altLang="en-US" dirty="0" err="1"/>
+              <a:t>년차</a:t>
+            </a:r>
+            <a:endParaRPr lang="en-US" altLang="ko-KR" dirty="0"/>
+          </a:p>
+          <a:p>
+            <a:pPr fontAlgn="base"/>
+            <a:r>
+              <a:rPr lang="en-US" altLang="ko-KR" dirty="0"/>
+              <a:t> - </a:t>
+            </a:r>
+            <a:r>
+              <a:rPr lang="ko-KR" altLang="en-US" dirty="0"/>
+              <a:t>테이크원 컴퍼니</a:t>
+            </a:r>
+            <a:r>
+              <a:rPr lang="en-US" altLang="ko-KR" dirty="0"/>
+              <a:t>(</a:t>
+            </a:r>
+            <a:r>
+              <a:rPr lang="ko-KR" altLang="en-US" dirty="0"/>
+              <a:t>플랫폼팀 </a:t>
+            </a:r>
+            <a:r>
+              <a:rPr lang="ko-KR" altLang="en-US" dirty="0" err="1"/>
+              <a:t>백엔드</a:t>
+            </a:r>
+            <a:r>
+              <a:rPr lang="ko-KR" altLang="en-US" dirty="0"/>
+              <a:t> 개발자</a:t>
+            </a:r>
+            <a:r>
+              <a:rPr lang="en-US" altLang="ko-KR" dirty="0"/>
+              <a:t>, </a:t>
+            </a:r>
+            <a:r>
+              <a:rPr lang="ko-KR" altLang="en-US" dirty="0"/>
+              <a:t>재직중</a:t>
+            </a:r>
+            <a:r>
+              <a:rPr lang="en-US" altLang="ko-KR" dirty="0"/>
+              <a:t>)</a:t>
+            </a:r>
+          </a:p>
+          <a:p>
+            <a:pPr fontAlgn="base"/>
+            <a:endParaRPr lang="ko-KR" altLang="en-US" dirty="0"/>
+          </a:p>
+          <a:p>
+            <a:endParaRPr lang="en-US" altLang="ko-KR" dirty="0"/>
+          </a:p>
+        </p:txBody>
+      </p:sp>
+    </p:spTree>
+  </p:cSld>
+  <p:clrMapOvr>
+    <a:masterClrMapping/>
+  </p:clrMapOvr>
+</p:sld>
+</file>
+
+<file path=ppt/slides/slide2.xml><?xml version="1.0" encoding="utf-8"?>
+<p:sld xmlns:a="http://schemas.openxmlformats.org/drawingml/2006/main" xmlns:r="http://schemas.openxmlformats.org/officeDocument/2006/relationships" xmlns:p="http://schemas.openxmlformats.org/presentationml/2006/main">
+  <p:cSld>
+    <p:spTree>
+      <p:nvGrpSpPr>
+        <p:cNvPr id="1" name=""/>
+        <p:cNvGrpSpPr/>
+        <p:nvPr/>
+      </p:nvGrpSpPr>
+      <p:grpSpPr>
+        <a:xfrm>
+          <a:off x="0" y="0"/>
+          <a:ext cx="0" cy="0"/>
+          <a:chOff x="0" y="0"/>
+          <a:chExt cx="0" cy="0"/>
+        </a:xfrm>
+      </p:grpSpPr>
       <p:pic>
         <p:nvPicPr>
           <p:cNvPr id="2" name="Picture " descr="C:/Users/limsg/AppData/Roaming/PolarisOffice/ETemp/5900_24364064/fImage350309941.png"/>
@@ -3770,7 +4271,411 @@
           <p:nvPr/>
         </p:nvPicPr>
         <p:blipFill rotWithShape="1">
-          <a:blip r:embed="rId2" cstate="print">
+          <a:blip r:embed="rId3" cstate="print">
+            <a:extLst>
+              <a:ext uri="{28A0092B-C50C-407E-A947-70E740481C1C}">
+                <a14:useLocalDpi xmlns:a14="http://schemas.microsoft.com/office/drawing/2010/main" val="0"/>
+              </a:ext>
+            </a:extLst>
+          </a:blip>
+          <a:stretch>
+            <a:fillRect/>
+          </a:stretch>
+        </p:blipFill>
+        <p:spPr>
+          <a:xfrm>
+            <a:off x="1640205" y="360045"/>
+            <a:ext cx="8560435" cy="3131185"/>
+          </a:xfrm>
+          <a:prstGeom prst="rect">
+            <a:avLst/>
+          </a:prstGeom>
+          <a:noFill/>
+        </p:spPr>
+      </p:pic>
+      <p:sp>
+        <p:nvSpPr>
+          <p:cNvPr id="3" name="Rect 0"/>
+          <p:cNvSpPr txBox="1">
+            <a:spLocks/>
+          </p:cNvSpPr>
+          <p:nvPr/>
+        </p:nvSpPr>
+        <p:spPr>
+          <a:xfrm>
+            <a:off x="1640205" y="3900170"/>
+            <a:ext cx="7430770" cy="1754505"/>
+          </a:xfrm>
+          <a:prstGeom prst="rect">
+            <a:avLst/>
+          </a:prstGeom>
+          <a:noFill/>
+          <a:ln w="0" cap="flat" cmpd="sng">
+            <a:solidFill>
+              <a:srgbClr val="FFFFFF">
+                <a:alpha val="100000"/>
+              </a:srgbClr>
+            </a:solidFill>
+            <a:prstDash/>
+          </a:ln>
+        </p:spPr>
+        <p:txBody>
+          <a:bodyPr vert="horz" wrap="square" lIns="89535" tIns="46355" rIns="89535" bIns="46355" anchor="t">
+            <a:spAutoFit/>
+          </a:bodyPr>
+          <a:lstStyle/>
+          <a:p>
+            <a:pPr marL="0" indent="0" algn="l" hangingPunct="1"/>
+            <a:r>
+              <a:rPr lang="ko-KR" sz="1800">
+                <a:latin typeface="맑은 고딕" charset="0"/>
+                <a:ea typeface="맑은 고딕" charset="0"/>
+              </a:rPr>
+              <a:t>1. 유니티 페이지 - https://unity.com/kr</a:t>
+            </a:r>
+            <a:endParaRPr lang="ko-KR" altLang="en-US" sz="1800">
+              <a:latin typeface="맑은 고딕" charset="0"/>
+              <a:ea typeface="맑은 고딕" charset="0"/>
+            </a:endParaRPr>
+          </a:p>
+          <a:p>
+            <a:pPr marL="0" indent="0" algn="l" hangingPunct="1"/>
+            <a:r>
+              <a:rPr sz="1800">
+                <a:latin typeface="맑은 고딕" charset="0"/>
+                <a:ea typeface="맑은 고딕" charset="0"/>
+              </a:rPr>
+              <a:t>2. </a:t>
+            </a:r>
+            <a:r>
+              <a:rPr lang="ko-KR" sz="1800">
+                <a:latin typeface="맑은 고딕" charset="0"/>
+                <a:ea typeface="맑은 고딕" charset="0"/>
+              </a:rPr>
+              <a:t>Unity Hub 설치</a:t>
+            </a:r>
+            <a:endParaRPr lang="ko-KR" altLang="en-US" sz="1800">
+              <a:latin typeface="맑은 고딕" charset="0"/>
+              <a:ea typeface="맑은 고딕" charset="0"/>
+            </a:endParaRPr>
+          </a:p>
+          <a:p>
+            <a:pPr marL="0" indent="0" algn="l" hangingPunct="1"/>
+            <a:r>
+              <a:rPr lang="ko-KR" sz="1800">
+                <a:latin typeface="맑은 고딕" charset="0"/>
+                <a:ea typeface="맑은 고딕" charset="0"/>
+              </a:rPr>
+              <a:t>3. 다운로드 아카이브</a:t>
+            </a:r>
+            <a:endParaRPr lang="ko-KR" altLang="en-US" sz="1800">
+              <a:latin typeface="맑은 고딕" charset="0"/>
+              <a:ea typeface="맑은 고딕" charset="0"/>
+            </a:endParaRPr>
+          </a:p>
+          <a:p>
+            <a:pPr marL="0" indent="0" algn="l" hangingPunct="1"/>
+            <a:r>
+              <a:rPr lang="ko-KR" sz="1800">
+                <a:latin typeface="맑은 고딕" charset="0"/>
+                <a:ea typeface="맑은 고딕" charset="0"/>
+              </a:rPr>
+              <a:t>4. LTS -&gt; 6000.0.50f1</a:t>
+            </a:r>
+            <a:endParaRPr lang="ko-KR" altLang="en-US" sz="1800">
+              <a:latin typeface="맑은 고딕" charset="0"/>
+              <a:ea typeface="맑은 고딕" charset="0"/>
+            </a:endParaRPr>
+          </a:p>
+          <a:p>
+            <a:pPr marL="0" indent="0" algn="l" hangingPunct="1"/>
+            <a:r>
+              <a:rPr lang="ko-KR" sz="1800">
+                <a:latin typeface="맑은 고딕" charset="0"/>
+                <a:ea typeface="맑은 고딕" charset="0"/>
+              </a:rPr>
+              <a:t>5. Visual Studio, Language packs(한국어)</a:t>
+            </a:r>
+            <a:endParaRPr lang="ko-KR" altLang="en-US" sz="1800">
+              <a:latin typeface="맑은 고딕" charset="0"/>
+              <a:ea typeface="맑은 고딕" charset="0"/>
+            </a:endParaRPr>
+          </a:p>
+          <a:p>
+            <a:pPr marL="0" indent="0" algn="l" hangingPunct="1"/>
+            <a:r>
+              <a:rPr lang="ko-KR" sz="1800">
+                <a:latin typeface="맑은 고딕" charset="0"/>
+                <a:ea typeface="맑은 고딕" charset="0"/>
+              </a:rPr>
+              <a:t>6. Unity를 사용한 게임 개발</a:t>
+            </a:r>
+            <a:endParaRPr lang="ko-KR" altLang="en-US" sz="1800">
+              <a:latin typeface="맑은 고딕" charset="0"/>
+              <a:ea typeface="맑은 고딕" charset="0"/>
+            </a:endParaRPr>
+          </a:p>
+        </p:txBody>
+      </p:sp>
+    </p:spTree>
+  </p:cSld>
+  <p:clrMapOvr>
+    <a:masterClrMapping/>
+  </p:clrMapOvr>
+</p:sld>
+</file>
+
+<file path=ppt/slides/slide3.xml><?xml version="1.0" encoding="utf-8"?>
+<p:sld xmlns:a="http://schemas.openxmlformats.org/drawingml/2006/main" xmlns:r="http://schemas.openxmlformats.org/officeDocument/2006/relationships" xmlns:p="http://schemas.openxmlformats.org/presentationml/2006/main" xmlns:p14="http://schemas.microsoft.com/office/powerpoint/2010/main">
+  <p:cSld>
+    <p:spTree>
+      <p:nvGrpSpPr>
+        <p:cNvPr id="1" name="">
+          <a:extLst>
+            <a:ext uri="{FF2B5EF4-FFF2-40B4-BE49-F238E27FC236}">
+              <a16:creationId xmlns:a16="http://schemas.microsoft.com/office/drawing/2014/main" id="{31DE2F6D-CDA1-8EB9-08FA-8A6D41F40139}"/>
+            </a:ext>
+          </a:extLst>
+        </p:cNvPr>
+        <p:cNvGrpSpPr/>
+        <p:nvPr/>
+      </p:nvGrpSpPr>
+      <p:grpSpPr>
+        <a:xfrm>
+          <a:off x="0" y="0"/>
+          <a:ext cx="0" cy="0"/>
+          <a:chOff x="0" y="0"/>
+          <a:chExt cx="0" cy="0"/>
+        </a:xfrm>
+      </p:grpSpPr>
+      <p:sp>
+        <p:nvSpPr>
+          <p:cNvPr id="4" name="텍스트 상자 3"/>
+          <p:cNvSpPr txBox="1">
+            <a:spLocks/>
+          </p:cNvSpPr>
+          <p:nvPr/>
+        </p:nvSpPr>
+        <p:spPr>
+          <a:xfrm rot="0">
+            <a:off x="7030085" y="906780"/>
+            <a:ext cx="7432675" cy="3692525"/>
+          </a:xfrm>
+          <a:prstGeom prst="rect"/>
+          <a:noFill/>
+          <a:ln w="0" cap="flat" cmpd="sng">
+            <a:solidFill>
+              <a:srgbClr val="FFFFFF">
+                <a:alpha val="100000"/>
+              </a:srgbClr>
+            </a:solidFill>
+            <a:prstDash val="solid"/>
+          </a:ln>
+        </p:spPr>
+        <p:txBody>
+          <a:bodyPr wrap="square" lIns="89535" tIns="46355" rIns="89535" bIns="46355" numCol="1" vert="horz" anchor="t">
+            <a:spAutoFit/>
+          </a:bodyPr>
+          <a:lstStyle/>
+          <a:p>
+            <a:pPr marL="0" indent="0">
+              <a:buFontTx/>
+              <a:buNone/>
+            </a:pPr>
+            <a:r>
+              <a:rPr lang="en-US" altLang="ko-KR"/>
+              <a:t>Hierarchy (</a:t>
+            </a:r>
+            <a:r>
+              <a:rPr lang="ko-KR" altLang="en-US"/>
+              <a:t>계층구조</a:t>
+            </a:r>
+            <a:r>
+              <a:rPr lang="en-US" altLang="ko-KR"/>
+              <a:t>)</a:t>
+            </a:r>
+            <a:endParaRPr lang="ko-KR" altLang="en-US"/>
+          </a:p>
+          <a:p>
+            <a:pPr marL="0" indent="0">
+              <a:buFontTx/>
+              <a:buNone/>
+            </a:pPr>
+            <a:r>
+              <a:rPr lang="en-US" altLang="ko-KR"/>
+              <a:t> - project</a:t>
+            </a:r>
+            <a:r>
+              <a:rPr lang="ko-KR" altLang="en-US"/>
+              <a:t>에 사용할 게임 오브젝트를 관리</a:t>
+            </a:r>
+            <a:r>
+              <a:rPr lang="en-US" altLang="ko-KR"/>
+              <a:t>.</a:t>
+            </a:r>
+            <a:endParaRPr lang="ko-KR" altLang="en-US"/>
+          </a:p>
+          <a:p>
+            <a:pPr marL="0" indent="0">
+              <a:buFontTx/>
+              <a:buNone/>
+            </a:pPr>
+            <a:endParaRPr lang="ko-KR" altLang="en-US"/>
+          </a:p>
+          <a:p>
+            <a:pPr marL="0" indent="0">
+              <a:buFontTx/>
+              <a:buNone/>
+            </a:pPr>
+            <a:r>
+              <a:rPr lang="en-US" altLang="ko-KR"/>
+              <a:t>Scene&amp;Game</a:t>
+            </a:r>
+            <a:endParaRPr lang="ko-KR" altLang="en-US"/>
+          </a:p>
+          <a:p>
+            <a:pPr marL="0" indent="0">
+              <a:buFontTx/>
+              <a:buNone/>
+            </a:pPr>
+            <a:r>
+              <a:rPr lang="ko-KR" altLang="en-US"/>
+              <a:t> </a:t>
+            </a:r>
+            <a:r>
+              <a:rPr lang="en-US" altLang="ko-KR"/>
+              <a:t>- </a:t>
+            </a:r>
+            <a:r>
+              <a:rPr lang="ko-KR" altLang="en-US"/>
+              <a:t>게임 오브젝트가 표현되는 공간</a:t>
+            </a:r>
+            <a:endParaRPr lang="ko-KR" altLang="en-US"/>
+          </a:p>
+          <a:p>
+            <a:pPr marL="0" indent="0">
+              <a:buFontTx/>
+              <a:buNone/>
+            </a:pPr>
+            <a:endParaRPr lang="ko-KR" altLang="en-US"/>
+          </a:p>
+          <a:p>
+            <a:pPr marL="0" indent="0">
+              <a:buFontTx/>
+              <a:buNone/>
+            </a:pPr>
+            <a:r>
+              <a:rPr lang="en-US" altLang="ko-KR"/>
+              <a:t>Inspector (</a:t>
+            </a:r>
+            <a:r>
+              <a:rPr lang="ko-KR" altLang="en-US"/>
+              <a:t>인스팩터</a:t>
+            </a:r>
+            <a:r>
+              <a:rPr lang="en-US" altLang="ko-KR"/>
+              <a:t>)</a:t>
+            </a:r>
+            <a:endParaRPr lang="ko-KR" altLang="en-US"/>
+          </a:p>
+          <a:p>
+            <a:pPr marL="0" indent="0">
+              <a:buFontTx/>
+              <a:buNone/>
+            </a:pPr>
+            <a:r>
+              <a:rPr lang="en-US" altLang="ko-KR"/>
+              <a:t> - </a:t>
+            </a:r>
+            <a:r>
+              <a:rPr lang="ko-KR" altLang="en-US"/>
+              <a:t>게임 오브젝트의 컴포넌트를 관리</a:t>
+            </a:r>
+            <a:r>
+              <a:rPr lang="en-US" altLang="ko-KR"/>
+              <a:t>.</a:t>
+            </a:r>
+            <a:endParaRPr lang="ko-KR" altLang="en-US"/>
+          </a:p>
+          <a:p>
+            <a:pPr marL="0" indent="0">
+              <a:buFontTx/>
+              <a:buNone/>
+            </a:pPr>
+            <a:endParaRPr lang="ko-KR" altLang="en-US"/>
+          </a:p>
+          <a:p>
+            <a:pPr marL="0" indent="0">
+              <a:buFontTx/>
+              <a:buNone/>
+            </a:pPr>
+            <a:r>
+              <a:rPr lang="en-US" altLang="ko-KR"/>
+              <a:t>Project</a:t>
+            </a:r>
+            <a:endParaRPr lang="ko-KR" altLang="en-US"/>
+          </a:p>
+          <a:p>
+            <a:pPr marL="0" indent="0">
+              <a:buFontTx/>
+              <a:buNone/>
+            </a:pPr>
+            <a:r>
+              <a:rPr lang="en-US" altLang="ko-KR"/>
+              <a:t> - </a:t>
+            </a:r>
+            <a:r>
+              <a:rPr lang="ko-KR" altLang="en-US"/>
+              <a:t>파일관리</a:t>
+            </a:r>
+            <a:r>
+              <a:rPr lang="en-US" altLang="ko-KR"/>
+              <a:t>(</a:t>
+            </a:r>
+            <a:r>
+              <a:rPr lang="ko-KR" altLang="en-US"/>
+              <a:t>스크립트</a:t>
+            </a:r>
+            <a:r>
+              <a:rPr lang="en-US" altLang="ko-KR"/>
+              <a:t>, </a:t>
+            </a:r>
+            <a:r>
+              <a:rPr lang="ko-KR" altLang="en-US"/>
+              <a:t>리소스 등등</a:t>
+            </a:r>
+            <a:r>
+              <a:rPr lang="en-US" altLang="ko-KR"/>
+              <a:t>.)</a:t>
+            </a:r>
+            <a:endParaRPr lang="ko-KR" altLang="en-US"/>
+          </a:p>
+          <a:p>
+            <a:pPr marL="0" indent="0">
+              <a:buFontTx/>
+              <a:buNone/>
+            </a:pPr>
+            <a:endParaRPr lang="ko-KR" altLang="en-US"/>
+          </a:p>
+          <a:p>
+            <a:pPr marL="0" indent="0">
+              <a:buFontTx/>
+              <a:buNone/>
+            </a:pPr>
+            <a:endParaRPr lang="ko-KR" altLang="en-US"/>
+          </a:p>
+        </p:txBody>
+      </p:sp>
+      <p:pic>
+        <p:nvPicPr>
+          <p:cNvPr id="5" name="그림 1" descr="C:/Users/limsg/AppData/Roaming/PolarisOffice/ETemp/25428_7803232/fImage986015941.png"/>
+          <p:cNvPicPr>
+            <a:picLocks noChangeAspect="1"/>
+          </p:cNvPicPr>
+          <p:nvPr/>
+        </p:nvPicPr>
+        <p:blipFill rotWithShape="1">
+          <a:blip r:embed="rId3" cstate="print">
             <a:extLst>
               <a:ext uri="{28A0092B-C50C-407E-A947-70E740481C1C}">
                 <a14:useLocalDpi xmlns:a14="http://schemas.microsoft.com/office/drawing/2010/main" val="0"/>
@@ -3783,318 +4688,19 @@
         </p:blipFill>
         <p:spPr>
           <a:xfrm rot="0">
-            <a:off x="1640205" y="360045"/>
-            <a:ext cx="8560435" cy="3131185"/>
+            <a:off x="140335" y="212725"/>
+            <a:ext cx="6800215" cy="6076950"/>
           </a:xfrm>
           <a:prstGeom prst="rect"/>
           <a:noFill/>
         </p:spPr>
       </p:pic>
-      <p:sp>
-        <p:nvSpPr>
-          <p:cNvPr id="3" name="Rect 0"/>
-          <p:cNvSpPr txBox="1">
-            <a:spLocks/>
-          </p:cNvSpPr>
-          <p:nvPr/>
-        </p:nvSpPr>
-        <p:spPr>
-          <a:xfrm rot="0">
-            <a:off x="1640205" y="3900170"/>
-            <a:ext cx="7430770" cy="1754505"/>
-          </a:xfrm>
-          <a:prstGeom prst="rect"/>
-          <a:noFill/>
-          <a:ln w="0" cap="flat" cmpd="sng">
-            <a:solidFill>
-              <a:srgbClr val="FFFFFF">
-                <a:alpha val="100000"/>
-              </a:srgbClr>
-            </a:solidFill>
-            <a:prstDash/>
-          </a:ln>
-        </p:spPr>
-        <p:txBody>
-          <a:bodyPr wrap="square" lIns="89535" tIns="46355" rIns="89535" bIns="46355" vert="horz" anchor="t">
-            <a:spAutoFit/>
-          </a:bodyPr>
-          <a:lstStyle/>
-          <a:p>
-            <a:pPr marL="0" indent="0" algn="l" hangingPunct="1"/>
-            <a:r>
-              <a:rPr lang="ko-KR" sz="1800">
-                <a:latin typeface="맑은 고딕" charset="0"/>
-                <a:ea typeface="맑은 고딕" charset="0"/>
-              </a:rPr>
-              <a:t>1</a:t>
-            </a:r>
-            <a:r>
-              <a:rPr lang="ko-KR" sz="1800">
-                <a:latin typeface="맑은 고딕" charset="0"/>
-                <a:ea typeface="맑은 고딕" charset="0"/>
-              </a:rPr>
-              <a:t>. </a:t>
-            </a:r>
-            <a:r>
-              <a:rPr lang="ko-KR" sz="1800">
-                <a:latin typeface="맑은 고딕" charset="0"/>
-                <a:ea typeface="맑은 고딕" charset="0"/>
-              </a:rPr>
-              <a:t>유니티 </a:t>
-            </a:r>
-            <a:r>
-              <a:rPr lang="ko-KR" sz="1800">
-                <a:latin typeface="맑은 고딕" charset="0"/>
-                <a:ea typeface="맑은 고딕" charset="0"/>
-              </a:rPr>
-              <a:t>페이지</a:t>
-            </a:r>
-            <a:r>
-              <a:rPr lang="ko-KR" sz="1800">
-                <a:latin typeface="맑은 고딕" charset="0"/>
-                <a:ea typeface="맑은 고딕" charset="0"/>
-              </a:rPr>
-              <a:t> </a:t>
-            </a:r>
-            <a:r>
-              <a:rPr lang="ko-KR" sz="1800">
-                <a:latin typeface="맑은 고딕" charset="0"/>
-                <a:ea typeface="맑은 고딕" charset="0"/>
-              </a:rPr>
-              <a:t>- </a:t>
-            </a:r>
-            <a:r>
-              <a:rPr lang="ko-KR" sz="1800">
-                <a:latin typeface="맑은 고딕" charset="0"/>
-                <a:ea typeface="맑은 고딕" charset="0"/>
-              </a:rPr>
-              <a:t>https://unity.com/kr</a:t>
-            </a:r>
-            <a:endParaRPr lang="ko-KR" altLang="en-US" sz="1800">
-              <a:latin typeface="맑은 고딕" charset="0"/>
-              <a:ea typeface="맑은 고딕" charset="0"/>
-            </a:endParaRPr>
-          </a:p>
-          <a:p>
-            <a:pPr marL="0" indent="0" algn="l" hangingPunct="1"/>
-            <a:r>
-              <a:rPr sz="1800">
-                <a:latin typeface="맑은 고딕" charset="0"/>
-                <a:ea typeface="맑은 고딕" charset="0"/>
-              </a:rPr>
-              <a:t>2</a:t>
-            </a:r>
-            <a:r>
-              <a:rPr sz="1800">
-                <a:latin typeface="맑은 고딕" charset="0"/>
-                <a:ea typeface="맑은 고딕" charset="0"/>
-              </a:rPr>
-              <a:t>. </a:t>
-            </a:r>
-            <a:r>
-              <a:rPr lang="ko-KR" sz="1800">
-                <a:latin typeface="맑은 고딕" charset="0"/>
-                <a:ea typeface="맑은 고딕" charset="0"/>
-              </a:rPr>
-              <a:t>U</a:t>
-            </a:r>
-            <a:r>
-              <a:rPr lang="ko-KR" sz="1800">
-                <a:latin typeface="맑은 고딕" charset="0"/>
-                <a:ea typeface="맑은 고딕" charset="0"/>
-              </a:rPr>
-              <a:t>nity Hub </a:t>
-            </a:r>
-            <a:r>
-              <a:rPr lang="ko-KR" sz="1800">
-                <a:latin typeface="맑은 고딕" charset="0"/>
-                <a:ea typeface="맑은 고딕" charset="0"/>
-              </a:rPr>
-              <a:t>설치</a:t>
-            </a:r>
-            <a:endParaRPr lang="ko-KR" altLang="en-US" sz="1800">
-              <a:latin typeface="맑은 고딕" charset="0"/>
-              <a:ea typeface="맑은 고딕" charset="0"/>
-            </a:endParaRPr>
-          </a:p>
-          <a:p>
-            <a:pPr marL="0" indent="0" algn="l" hangingPunct="1"/>
-            <a:r>
-              <a:rPr lang="ko-KR" sz="1800">
-                <a:latin typeface="맑은 고딕" charset="0"/>
-                <a:ea typeface="맑은 고딕" charset="0"/>
-              </a:rPr>
-              <a:t>3.</a:t>
-            </a:r>
-            <a:r>
-              <a:rPr lang="ko-KR" sz="1800">
-                <a:latin typeface="맑은 고딕" charset="0"/>
-                <a:ea typeface="맑은 고딕" charset="0"/>
-              </a:rPr>
-              <a:t> </a:t>
-            </a:r>
-            <a:r>
-              <a:rPr lang="ko-KR" sz="1800">
-                <a:latin typeface="맑은 고딕" charset="0"/>
-                <a:ea typeface="맑은 고딕" charset="0"/>
-              </a:rPr>
-              <a:t>다운로드 아카이브</a:t>
-            </a:r>
-            <a:endParaRPr lang="ko-KR" altLang="en-US" sz="1800">
-              <a:latin typeface="맑은 고딕" charset="0"/>
-              <a:ea typeface="맑은 고딕" charset="0"/>
-            </a:endParaRPr>
-          </a:p>
-          <a:p>
-            <a:pPr marL="0" indent="0" algn="l" hangingPunct="1"/>
-            <a:r>
-              <a:rPr lang="ko-KR" sz="1800">
-                <a:latin typeface="맑은 고딕" charset="0"/>
-                <a:ea typeface="맑은 고딕" charset="0"/>
-              </a:rPr>
-              <a:t>4</a:t>
-            </a:r>
-            <a:r>
-              <a:rPr lang="ko-KR" sz="1800">
-                <a:latin typeface="맑은 고딕" charset="0"/>
-                <a:ea typeface="맑은 고딕" charset="0"/>
-              </a:rPr>
-              <a:t>. </a:t>
-            </a:r>
-            <a:r>
-              <a:rPr lang="ko-KR" sz="1800">
-                <a:latin typeface="맑은 고딕" charset="0"/>
-                <a:ea typeface="맑은 고딕" charset="0"/>
-              </a:rPr>
-              <a:t>L</a:t>
-            </a:r>
-            <a:r>
-              <a:rPr lang="ko-KR" sz="1800">
-                <a:latin typeface="맑은 고딕" charset="0"/>
-                <a:ea typeface="맑은 고딕" charset="0"/>
-              </a:rPr>
-              <a:t>TS -&gt; 6000.0.50</a:t>
-            </a:r>
-            <a:r>
-              <a:rPr lang="ko-KR" sz="1800">
-                <a:latin typeface="맑은 고딕" charset="0"/>
-                <a:ea typeface="맑은 고딕" charset="0"/>
-              </a:rPr>
-              <a:t>f</a:t>
-            </a:r>
-            <a:r>
-              <a:rPr lang="ko-KR" sz="1800">
-                <a:latin typeface="맑은 고딕" charset="0"/>
-                <a:ea typeface="맑은 고딕" charset="0"/>
-              </a:rPr>
-              <a:t>1</a:t>
-            </a:r>
-            <a:endParaRPr lang="ko-KR" altLang="en-US" sz="1800">
-              <a:latin typeface="맑은 고딕" charset="0"/>
-              <a:ea typeface="맑은 고딕" charset="0"/>
-            </a:endParaRPr>
-          </a:p>
-          <a:p>
-            <a:pPr marL="0" indent="0" algn="l" hangingPunct="1"/>
-            <a:r>
-              <a:rPr lang="ko-KR" sz="1800">
-                <a:latin typeface="맑은 고딕" charset="0"/>
-                <a:ea typeface="맑은 고딕" charset="0"/>
-              </a:rPr>
-              <a:t>5. </a:t>
-            </a:r>
-            <a:r>
-              <a:rPr lang="ko-KR" sz="1800">
-                <a:latin typeface="맑은 고딕" charset="0"/>
-                <a:ea typeface="맑은 고딕" charset="0"/>
-              </a:rPr>
-              <a:t>V</a:t>
-            </a:r>
-            <a:r>
-              <a:rPr lang="ko-KR" sz="1800">
-                <a:latin typeface="맑은 고딕" charset="0"/>
-                <a:ea typeface="맑은 고딕" charset="0"/>
-              </a:rPr>
-              <a:t>isual Studio, </a:t>
-            </a:r>
-            <a:r>
-              <a:rPr lang="ko-KR" sz="1800">
-                <a:latin typeface="맑은 고딕" charset="0"/>
-                <a:ea typeface="맑은 고딕" charset="0"/>
-              </a:rPr>
-              <a:t>L</a:t>
-            </a:r>
-            <a:r>
-              <a:rPr lang="ko-KR" sz="1800">
-                <a:latin typeface="맑은 고딕" charset="0"/>
-                <a:ea typeface="맑은 고딕" charset="0"/>
-              </a:rPr>
-              <a:t>anguage packs(</a:t>
-            </a:r>
-            <a:r>
-              <a:rPr lang="ko-KR" sz="1800">
-                <a:latin typeface="맑은 고딕" charset="0"/>
-                <a:ea typeface="맑은 고딕" charset="0"/>
-              </a:rPr>
-              <a:t>한국어</a:t>
-            </a:r>
-            <a:r>
-              <a:rPr lang="ko-KR" sz="1800">
-                <a:latin typeface="맑은 고딕" charset="0"/>
-                <a:ea typeface="맑은 고딕" charset="0"/>
-              </a:rPr>
-              <a:t>)</a:t>
-            </a:r>
-            <a:endParaRPr lang="ko-KR" altLang="en-US" sz="1800">
-              <a:latin typeface="맑은 고딕" charset="0"/>
-              <a:ea typeface="맑은 고딕" charset="0"/>
-            </a:endParaRPr>
-          </a:p>
-          <a:p>
-            <a:pPr marL="0" indent="0" algn="l" hangingPunct="1"/>
-            <a:r>
-              <a:rPr lang="ko-KR" sz="1800">
-                <a:latin typeface="맑은 고딕" charset="0"/>
-                <a:ea typeface="맑은 고딕" charset="0"/>
-              </a:rPr>
-              <a:t>6. </a:t>
-            </a:r>
-            <a:r>
-              <a:rPr lang="ko-KR" sz="1800">
-                <a:latin typeface="맑은 고딕" charset="0"/>
-                <a:ea typeface="맑은 고딕" charset="0"/>
-              </a:rPr>
-              <a:t>U</a:t>
-            </a:r>
-            <a:r>
-              <a:rPr lang="ko-KR" sz="1800">
-                <a:latin typeface="맑은 고딕" charset="0"/>
-                <a:ea typeface="맑은 고딕" charset="0"/>
-              </a:rPr>
-              <a:t>nity</a:t>
-            </a:r>
-            <a:r>
-              <a:rPr lang="ko-KR" sz="1800">
-                <a:latin typeface="맑은 고딕" charset="0"/>
-                <a:ea typeface="맑은 고딕" charset="0"/>
-              </a:rPr>
-              <a:t>를 </a:t>
-            </a:r>
-            <a:r>
-              <a:rPr lang="ko-KR" sz="1800">
-                <a:latin typeface="맑은 고딕" charset="0"/>
-                <a:ea typeface="맑은 고딕" charset="0"/>
-              </a:rPr>
-              <a:t>사용한 게임 개발</a:t>
-            </a:r>
-            <a:endParaRPr lang="ko-KR" altLang="en-US" sz="1800">
-              <a:latin typeface="맑은 고딕" charset="0"/>
-              <a:ea typeface="맑은 고딕" charset="0"/>
-            </a:endParaRPr>
-          </a:p>
-        </p:txBody>
-      </p:sp>
     </p:spTree>
+    <p:extLst>
+      <p:ext uri="{BB962C8B-B14F-4D97-AF65-F5344CB8AC3E}">
+        <p14:creationId xmlns:p14="http://schemas.microsoft.com/office/powerpoint/2010/main" val="3606544176"/>
+      </p:ext>
+    </p:extLst>
   </p:cSld>
   <p:clrMapOvr>
     <a:masterClrMapping/>
@@ -4117,12 +4723,18 @@
 </p:sld>
 </file>
 
-<file path=ppt/slides/slide2.xml><?xml version="1.0" encoding="utf-8"?>
-<p:sld xmlns:a="http://schemas.openxmlformats.org/drawingml/2006/main" xmlns:r="http://schemas.openxmlformats.org/officeDocument/2006/relationships" xmlns:p="http://schemas.openxmlformats.org/presentationml/2006/main" xmlns:p14="http://schemas.microsoft.com/office/powerpoint/2010/main">
+<file path=ppt/slides/slide4.xml><?xml version="1.0" encoding="utf-8"?>
+<p:sld xmlns:a="http://schemas.openxmlformats.org/drawingml/2006/main" xmlns:r="http://schemas.openxmlformats.org/officeDocument/2006/relationships" xmlns:p="http://schemas.openxmlformats.org/presentationml/2006/main">
   <p:cSld>
     <p:spTree>
       <p:nvGrpSpPr>
-        <p:cNvPr id="1" name=""/>
+        <p:cNvPr id="1" name="">
+          <a:extLst>
+            <a:ext uri="{FF2B5EF4-FFF2-40B4-BE49-F238E27FC236}">
+              <a16:creationId xmlns:a16="http://schemas.microsoft.com/office/drawing/2014/main" id="{68D0B76B-AC81-DEBE-54AC-1661450DA771}"/>
+            </a:ext>
+          </a:extLst>
+        </p:cNvPr>
         <p:cNvGrpSpPr/>
         <p:nvPr/>
       </p:nvGrpSpPr>
@@ -4136,14 +4748,20 @@
       </p:grpSpPr>
       <p:pic>
         <p:nvPicPr>
-          <p:cNvPr id="2" name="그림 2"/>
+          <p:cNvPr id="2" name="그림 2">
+            <a:extLst>
+              <a:ext uri="{FF2B5EF4-FFF2-40B4-BE49-F238E27FC236}">
+                <a16:creationId xmlns:a16="http://schemas.microsoft.com/office/drawing/2014/main" id="{C34F2C2E-8B35-4346-3782-CC9C8A4A3ABD}"/>
+              </a:ext>
+            </a:extLst>
+          </p:cNvPr>
           <p:cNvPicPr>
             <a:picLocks noChangeAspect="1"/>
           </p:cNvPicPr>
           <p:nvPr/>
         </p:nvPicPr>
         <p:blipFill rotWithShape="1">
-          <a:blip r:embed="rId2" cstate="print">
+          <a:blip r:embed="rId3" cstate="print">
             <a:extLst>
               <a:ext uri="{28A0092B-C50C-407E-A947-70E740481C1C}">
                 <a14:useLocalDpi xmlns:a14="http://schemas.microsoft.com/office/drawing/2010/main" val="0"/>
@@ -4155,17 +4773,25 @@
           </a:stretch>
         </p:blipFill>
         <p:spPr>
-          <a:xfrm rot="0">
+          <a:xfrm>
             <a:off x="589915" y="0"/>
             <a:ext cx="4030980" cy="6858635"/>
           </a:xfrm>
-          <a:prstGeom prst="rect"/>
+          <a:prstGeom prst="rect">
+            <a:avLst/>
+          </a:prstGeom>
           <a:noFill/>
         </p:spPr>
       </p:pic>
       <p:sp>
         <p:nvSpPr>
-          <p:cNvPr id="3" name="텍스트 상자 3"/>
+          <p:cNvPr id="4" name="텍스트 상자 3">
+            <a:extLst>
+              <a:ext uri="{FF2B5EF4-FFF2-40B4-BE49-F238E27FC236}">
+                <a16:creationId xmlns:a16="http://schemas.microsoft.com/office/drawing/2014/main" id="{1648F658-553F-1849-C459-6145CCA21349}"/>
+              </a:ext>
+            </a:extLst>
+          </p:cNvPr>
           <p:cNvSpPr txBox="1">
             <a:spLocks/>
           </p:cNvSpPr>
@@ -4176,7 +4802,9 @@
             <a:off x="5210175" y="709930"/>
             <a:ext cx="7432040" cy="2308225"/>
           </a:xfrm>
-          <a:prstGeom prst="rect"/>
+          <a:prstGeom prst="rect">
+            <a:avLst/>
+          </a:prstGeom>
           <a:noFill/>
           <a:ln w="0" cap="flat" cmpd="sng">
             <a:solidFill>
@@ -4188,7 +4816,7 @@
           </a:ln>
         </p:spPr>
         <p:txBody>
-          <a:bodyPr wrap="square" lIns="89535" tIns="46355" rIns="89535" bIns="46355" numCol="1" vert="horz" anchor="t">
+          <a:bodyPr vert="horz" wrap="square" lIns="89535" tIns="46355" rIns="89535" bIns="46355" numCol="1" anchor="t">
             <a:spAutoFit/>
           </a:bodyPr>
           <a:lstStyle/>
@@ -4198,13 +4826,20 @@
               <a:buNone/>
             </a:pPr>
             <a:r>
-              <a:rPr lang="ko-KR" sz="1800">
+              <a:rPr lang="ko-KR" sz="1800" dirty="0" err="1">
                 <a:latin typeface="맑은 고딕" charset="0"/>
                 <a:ea typeface="맑은 고딕" charset="0"/>
               </a:rPr>
-              <a:t>Unity 생명주기 - https://docs.unity3d.com/kr/2019.4/Manual/ExecutionOrder.html</a:t>
-            </a:r>
-            <a:endParaRPr lang="ko-KR" altLang="en-US" sz="1800">
+              <a:t>Unity</a:t>
+            </a:r>
+            <a:r>
+              <a:rPr lang="ko-KR" sz="1800" dirty="0">
+                <a:latin typeface="맑은 고딕" charset="0"/>
+                <a:ea typeface="맑은 고딕" charset="0"/>
+              </a:rPr>
+              <a:t> 생명주기 - https://docs.unity3d.com/kr/2019.4/Manual/ExecutionOrder.html</a:t>
+            </a:r>
+            <a:endParaRPr lang="ko-KR" altLang="en-US" sz="1800" dirty="0">
               <a:latin typeface="맑은 고딕" charset="0"/>
               <a:ea typeface="맑은 고딕" charset="0"/>
             </a:endParaRPr>
@@ -4214,7 +4849,7 @@
               <a:buFontTx/>
               <a:buNone/>
             </a:pPr>
-            <a:endParaRPr lang="ko-KR" altLang="en-US" sz="1800">
+            <a:endParaRPr lang="ko-KR" altLang="en-US" sz="1800" dirty="0">
               <a:latin typeface="맑은 고딕" charset="0"/>
               <a:ea typeface="맑은 고딕" charset="0"/>
             </a:endParaRPr>
@@ -4225,29 +4860,45 @@
               <a:buNone/>
             </a:pPr>
             <a:r>
-              <a:rPr lang="ko-KR"/>
-              <a:t>1. Awake, OnEna</a:t>
-            </a:r>
-            <a:r>
-              <a:rPr lang="ko-KR"/>
-              <a:t>b</a:t>
-            </a:r>
-            <a:r>
-              <a:rPr lang="ko-KR"/>
-              <a:t>l</a:t>
-            </a:r>
-            <a:r>
-              <a:rPr lang="ko-KR"/>
-              <a:t>e, Start - Initialization</a:t>
-            </a:r>
-            <a:endParaRPr lang="ko-KR" altLang="en-US"/>
+              <a:rPr lang="ko-KR" dirty="0"/>
+              <a:t>1. </a:t>
+            </a:r>
+            <a:r>
+              <a:rPr lang="ko-KR" dirty="0" err="1"/>
+              <a:t>Awake</a:t>
+            </a:r>
+            <a:r>
+              <a:rPr lang="ko-KR" dirty="0"/>
+              <a:t>, </a:t>
+            </a:r>
+            <a:r>
+              <a:rPr lang="ko-KR" dirty="0" err="1"/>
+              <a:t>OnEnable</a:t>
+            </a:r>
+            <a:r>
+              <a:rPr lang="ko-KR" dirty="0"/>
+              <a:t>, </a:t>
+            </a:r>
+            <a:r>
+              <a:rPr lang="ko-KR" dirty="0" err="1"/>
+              <a:t>Start</a:t>
+            </a:r>
+            <a:r>
+              <a:rPr lang="ko-KR" dirty="0"/>
+              <a:t> - </a:t>
+            </a:r>
+            <a:r>
+              <a:rPr lang="ko-KR" dirty="0" err="1"/>
+              <a:t>Initialization</a:t>
+            </a:r>
+            <a:endParaRPr lang="ko-KR" altLang="en-US" dirty="0"/>
           </a:p>
           <a:p>
             <a:pPr marL="0" indent="0" algn="l" hangingPunct="1">
               <a:buFontTx/>
               <a:buNone/>
             </a:pPr>
-            <a:endParaRPr lang="ko-KR" altLang="en-US"/>
+            <a:endParaRPr lang="ko-KR" altLang="en-US" dirty="0"/>
           </a:p>
           <a:p>
             <a:pPr marL="0" indent="0" algn="l" hangingPunct="1">
@@ -4255,17 +4906,45 @@
               <a:buNone/>
             </a:pPr>
             <a:r>
-              <a:rPr lang="ko-KR"/>
-              <a:t>2. Update. LateUpdate - Game logic</a:t>
-            </a:r>
-            <a:endParaRPr lang="ko-KR" altLang="en-US"/>
+              <a:rPr lang="ko-KR" dirty="0"/>
+              <a:t>2. </a:t>
+            </a:r>
+            <a:r>
+              <a:rPr lang="ko-KR" dirty="0" err="1"/>
+              <a:t>Update</a:t>
+            </a:r>
+            <a:r>
+              <a:rPr lang="ko-KR" dirty="0"/>
+              <a:t>. </a:t>
+            </a:r>
+            <a:r>
+              <a:rPr lang="ko-KR" dirty="0" err="1"/>
+              <a:t>LateUpdate</a:t>
+            </a:r>
+            <a:r>
+              <a:rPr lang="ko-KR" dirty="0"/>
+              <a:t> - </a:t>
+            </a:r>
+            <a:r>
+              <a:rPr lang="ko-KR" dirty="0" err="1"/>
+              <a:t>Game</a:t>
+            </a:r>
+            <a:r>
+              <a:rPr lang="ko-KR" dirty="0"/>
+              <a:t> </a:t>
+            </a:r>
+            <a:r>
+              <a:rPr lang="ko-KR" dirty="0" err="1"/>
+              <a:t>logic</a:t>
+            </a:r>
+            <a:endParaRPr lang="ko-KR" altLang="en-US" dirty="0"/>
           </a:p>
           <a:p>
             <a:pPr marL="0" indent="0" algn="l" hangingPunct="1">
               <a:buFontTx/>
               <a:buNone/>
             </a:pPr>
-            <a:endParaRPr lang="ko-KR" altLang="en-US"/>
+            <a:endParaRPr lang="ko-KR" altLang="en-US" dirty="0"/>
           </a:p>
           <a:p>
             <a:pPr marL="0" indent="0" algn="l" hangingPunct="1">
@@ -4273,45 +4952,55 @@
               <a:buNone/>
             </a:pPr>
             <a:r>
-              <a:rPr lang="ko-KR"/>
-              <a:t>3. OnApplicationQuit, On</a:t>
-            </a:r>
-            <a:r>
-              <a:rPr lang="ko-KR"/>
-              <a:t>D</a:t>
-            </a:r>
-            <a:r>
-              <a:rPr lang="ko-KR"/>
-              <a:t>isable, OnDestroy - Decommissioning</a:t>
-            </a:r>
-            <a:endParaRPr lang="ko-KR" altLang="en-US"/>
+              <a:rPr lang="ko-KR" dirty="0"/>
+              <a:t>3. </a:t>
+            </a:r>
+            <a:r>
+              <a:rPr lang="ko-KR" dirty="0" err="1"/>
+              <a:t>OnApplicationQuit</a:t>
+            </a:r>
+            <a:r>
+              <a:rPr lang="ko-KR" dirty="0"/>
+              <a:t>, </a:t>
+            </a:r>
+            <a:r>
+              <a:rPr lang="ko-KR" dirty="0" err="1"/>
+              <a:t>OnDisable</a:t>
+            </a:r>
+            <a:r>
+              <a:rPr lang="ko-KR" dirty="0"/>
+              <a:t>, </a:t>
+            </a:r>
+            <a:r>
+              <a:rPr lang="ko-KR" dirty="0" err="1"/>
+              <a:t>OnDestroy</a:t>
+            </a:r>
+            <a:r>
+              <a:rPr lang="ko-KR" dirty="0"/>
+              <a:t> - </a:t>
+            </a:r>
+            <a:r>
+              <a:rPr lang="ko-KR" dirty="0" err="1"/>
+              <a:t>Decommissioning</a:t>
+            </a:r>
+            <a:endParaRPr lang="ko-KR" altLang="en-US" dirty="0"/>
           </a:p>
         </p:txBody>
       </p:sp>
     </p:spTree>
+    <p:extLst>
+      <p:ext uri="{BB962C8B-B14F-4D97-AF65-F5344CB8AC3E}">
+        <p14:creationId xmlns:p14="http://schemas.microsoft.com/office/powerpoint/2010/main" val="1546652066"/>
+      </p:ext>
+    </p:extLst>
   </p:cSld>
   <p:clrMapOvr>
     <a:masterClrMapping/>
   </p:clrMapOvr>
-  <mc:AlternateContent xmlns:mc="http://schemas.openxmlformats.org/markup-compatibility/2006">
-    <mc:Choice xmlns:p14="http://schemas.microsoft.com/office/powerpoint/2010/main" Requires="p14">
-      <p:transition spd="slow" p14:dur="2000"/>
-    </mc:Choice>
-    <mc:Fallback>
-      <p:transition spd="slow"/>
-    </mc:Fallback>
-  </mc:AlternateContent>
-  <p:timing>
-    <p:tnLst>
-      <p:par>
-        <p:cTn id="1" dur="indefinite" restart="never" nodeType="tmRoot"/>
-      </p:par>
-    </p:tnLst>
-  </p:timing>
 </p:sld>
 </file>
 
-<file path=ppt/slides/slide3.xml><?xml version="1.0" encoding="utf-8"?>
+<file path=ppt/slides/slide5.xml><?xml version="1.0" encoding="utf-8"?>
 <p:sld xmlns:a="http://schemas.openxmlformats.org/drawingml/2006/main" xmlns:r="http://schemas.openxmlformats.org/officeDocument/2006/relationships" xmlns:p="http://schemas.openxmlformats.org/presentationml/2006/main">
   <p:cSld>
     <p:spTree>
@@ -4349,11 +5038,13 @@
           </a:stretch>
         </p:blipFill>
         <p:spPr>
-          <a:xfrm rot="0">
+          <a:xfrm>
             <a:off x="813435" y="1082040"/>
             <a:ext cx="10523855" cy="892175"/>
           </a:xfrm>
-          <a:prstGeom prst="rect"/>
+          <a:prstGeom prst="rect">
+            <a:avLst/>
+          </a:prstGeom>
           <a:noFill/>
         </p:spPr>
       </p:pic>
@@ -4378,11 +5069,13 @@
           </a:stretch>
         </p:blipFill>
         <p:spPr>
-          <a:xfrm rot="0">
+          <a:xfrm>
             <a:off x="818515" y="2193290"/>
             <a:ext cx="5189855" cy="358775"/>
           </a:xfrm>
-          <a:prstGeom prst="rect"/>
+          <a:prstGeom prst="rect">
+            <a:avLst/>
+          </a:prstGeom>
           <a:noFill/>
         </p:spPr>
       </p:pic>
@@ -4407,11 +5100,13 @@
           </a:stretch>
         </p:blipFill>
         <p:spPr>
-          <a:xfrm rot="0">
+          <a:xfrm>
             <a:off x="849630" y="2758440"/>
             <a:ext cx="10493375" cy="876935"/>
           </a:xfrm>
-          <a:prstGeom prst="rect"/>
+          <a:prstGeom prst="rect">
+            <a:avLst/>
+          </a:prstGeom>
           <a:noFill/>
         </p:spPr>
       </p:pic>
@@ -4436,11 +5131,13 @@
           </a:stretch>
         </p:blipFill>
         <p:spPr>
-          <a:xfrm rot="0">
+          <a:xfrm>
             <a:off x="822325" y="3885565"/>
             <a:ext cx="10379075" cy="313055"/>
           </a:xfrm>
-          <a:prstGeom prst="rect"/>
+          <a:prstGeom prst="rect">
+            <a:avLst/>
+          </a:prstGeom>
           <a:noFill/>
         </p:spPr>
       </p:pic>
@@ -4465,11 +5162,13 @@
           </a:stretch>
         </p:blipFill>
         <p:spPr>
-          <a:xfrm rot="0">
+          <a:xfrm>
             <a:off x="826135" y="4387850"/>
             <a:ext cx="8512175" cy="534035"/>
           </a:xfrm>
-          <a:prstGeom prst="rect"/>
+          <a:prstGeom prst="rect">
+            <a:avLst/>
+          </a:prstGeom>
           <a:noFill/>
         </p:spPr>
       </p:pic>
@@ -4478,14 +5177,6 @@
   <p:clrMapOvr>
     <a:masterClrMapping/>
   </p:clrMapOvr>
-  <mc:AlternateContent xmlns:mc="http://schemas.openxmlformats.org/markup-compatibility/2006">
-    <mc:Choice xmlns:p14="http://schemas.microsoft.com/office/powerpoint/2010/main" Requires="p14">
-      <p:transition spd="slow" p14:dur="2000"/>
-    </mc:Choice>
-    <mc:Fallback>
-      <p:transition spd="slow"/>
-    </mc:Fallback>
-  </mc:AlternateContent>
 </p:sld>
 </file>
 
